--- a/Presentation/system_scenario.pptx
+++ b/Presentation/system_scenario.pptx
@@ -104,6 +104,22 @@
       </a:defRPr>
     </a:lvl9pPr>
   </p:defaultTextStyle>
+  <p:extLst>
+    <p:ext uri="{EFAFB233-063F-42B5-8137-9DF3F51BA10A}">
+      <p15:sldGuideLst xmlns:p15="http://schemas.microsoft.com/office/powerpoint/2012/main">
+        <p15:guide id="1" orient="horz" pos="2160">
+          <p15:clr>
+            <a:srgbClr val="A4A3A4"/>
+          </p15:clr>
+        </p15:guide>
+        <p15:guide id="2" pos="2880">
+          <p15:clr>
+            <a:srgbClr val="A4A3A4"/>
+          </p15:clr>
+        </p15:guide>
+      </p15:sldGuideLst>
+    </p:ext>
+  </p:extLst>
 </p:presentation>
 </file>
 
@@ -288,7 +304,7 @@
           <a:p>
             <a:fld id="{4E2A92FB-396E-4621-BABC-B6D79520AF56}" type="datetimeFigureOut">
               <a:rPr lang="en-US" smtClean="0"/>
-              <a:t>12-Jan-16</a:t>
+              <a:t>4/3/2017</a:t>
             </a:fld>
             <a:endParaRPr lang="en-US"/>
           </a:p>
@@ -458,7 +474,7 @@
           <a:p>
             <a:fld id="{4E2A92FB-396E-4621-BABC-B6D79520AF56}" type="datetimeFigureOut">
               <a:rPr lang="en-US" smtClean="0"/>
-              <a:t>12-Jan-16</a:t>
+              <a:t>4/3/2017</a:t>
             </a:fld>
             <a:endParaRPr lang="en-US"/>
           </a:p>
@@ -638,7 +654,7 @@
           <a:p>
             <a:fld id="{4E2A92FB-396E-4621-BABC-B6D79520AF56}" type="datetimeFigureOut">
               <a:rPr lang="en-US" smtClean="0"/>
-              <a:t>12-Jan-16</a:t>
+              <a:t>4/3/2017</a:t>
             </a:fld>
             <a:endParaRPr lang="en-US"/>
           </a:p>
@@ -808,7 +824,7 @@
           <a:p>
             <a:fld id="{4E2A92FB-396E-4621-BABC-B6D79520AF56}" type="datetimeFigureOut">
               <a:rPr lang="en-US" smtClean="0"/>
-              <a:t>12-Jan-16</a:t>
+              <a:t>4/3/2017</a:t>
             </a:fld>
             <a:endParaRPr lang="en-US"/>
           </a:p>
@@ -1054,7 +1070,7 @@
           <a:p>
             <a:fld id="{4E2A92FB-396E-4621-BABC-B6D79520AF56}" type="datetimeFigureOut">
               <a:rPr lang="en-US" smtClean="0"/>
-              <a:t>12-Jan-16</a:t>
+              <a:t>4/3/2017</a:t>
             </a:fld>
             <a:endParaRPr lang="en-US"/>
           </a:p>
@@ -1342,7 +1358,7 @@
           <a:p>
             <a:fld id="{4E2A92FB-396E-4621-BABC-B6D79520AF56}" type="datetimeFigureOut">
               <a:rPr lang="en-US" smtClean="0"/>
-              <a:t>12-Jan-16</a:t>
+              <a:t>4/3/2017</a:t>
             </a:fld>
             <a:endParaRPr lang="en-US"/>
           </a:p>
@@ -1764,7 +1780,7 @@
           <a:p>
             <a:fld id="{4E2A92FB-396E-4621-BABC-B6D79520AF56}" type="datetimeFigureOut">
               <a:rPr lang="en-US" smtClean="0"/>
-              <a:t>12-Jan-16</a:t>
+              <a:t>4/3/2017</a:t>
             </a:fld>
             <a:endParaRPr lang="en-US"/>
           </a:p>
@@ -1882,7 +1898,7 @@
           <a:p>
             <a:fld id="{4E2A92FB-396E-4621-BABC-B6D79520AF56}" type="datetimeFigureOut">
               <a:rPr lang="en-US" smtClean="0"/>
-              <a:t>12-Jan-16</a:t>
+              <a:t>4/3/2017</a:t>
             </a:fld>
             <a:endParaRPr lang="en-US"/>
           </a:p>
@@ -1977,7 +1993,7 @@
           <a:p>
             <a:fld id="{4E2A92FB-396E-4621-BABC-B6D79520AF56}" type="datetimeFigureOut">
               <a:rPr lang="en-US" smtClean="0"/>
-              <a:t>12-Jan-16</a:t>
+              <a:t>4/3/2017</a:t>
             </a:fld>
             <a:endParaRPr lang="en-US"/>
           </a:p>
@@ -2254,7 +2270,7 @@
           <a:p>
             <a:fld id="{4E2A92FB-396E-4621-BABC-B6D79520AF56}" type="datetimeFigureOut">
               <a:rPr lang="en-US" smtClean="0"/>
-              <a:t>12-Jan-16</a:t>
+              <a:t>4/3/2017</a:t>
             </a:fld>
             <a:endParaRPr lang="en-US"/>
           </a:p>
@@ -2507,7 +2523,7 @@
           <a:p>
             <a:fld id="{4E2A92FB-396E-4621-BABC-B6D79520AF56}" type="datetimeFigureOut">
               <a:rPr lang="en-US" smtClean="0"/>
-              <a:t>12-Jan-16</a:t>
+              <a:t>4/3/2017</a:t>
             </a:fld>
             <a:endParaRPr lang="en-US"/>
           </a:p>
@@ -2720,7 +2736,7 @@
           <a:p>
             <a:fld id="{4E2A92FB-396E-4621-BABC-B6D79520AF56}" type="datetimeFigureOut">
               <a:rPr lang="en-US" smtClean="0"/>
-              <a:t>12-Jan-16</a:t>
+              <a:t>4/3/2017</a:t>
             </a:fld>
             <a:endParaRPr lang="en-US"/>
           </a:p>
@@ -3095,897 +3111,286 @@
           <a:chExt cx="0" cy="0"/>
         </a:xfrm>
       </p:grpSpPr>
-      <p:pic>
-        <p:nvPicPr>
-          <p:cNvPr id="6" name="Picture 5"/>
-          <p:cNvPicPr>
-            <a:picLocks noChangeAspect="1"/>
-          </p:cNvPicPr>
-          <p:nvPr/>
-        </p:nvPicPr>
-        <p:blipFill>
-          <a:blip r:embed="rId2">
-            <a:extLst>
-              <a:ext uri="{28A0092B-C50C-407E-A947-70E740481C1C}">
-                <a14:useLocalDpi xmlns:a14="http://schemas.microsoft.com/office/drawing/2010/main" val="0"/>
-              </a:ext>
-            </a:extLst>
-          </a:blip>
-          <a:stretch>
-            <a:fillRect/>
-          </a:stretch>
-        </p:blipFill>
-        <p:spPr>
-          <a:xfrm>
-            <a:off x="1371600" y="1295400"/>
-            <a:ext cx="1429706" cy="1676400"/>
-          </a:xfrm>
-          <a:prstGeom prst="rect">
-            <a:avLst/>
-          </a:prstGeom>
-        </p:spPr>
-      </p:pic>
-      <p:pic>
-        <p:nvPicPr>
-          <p:cNvPr id="7" name="Picture 6"/>
-          <p:cNvPicPr>
-            <a:picLocks noChangeAspect="1"/>
-          </p:cNvPicPr>
-          <p:nvPr/>
-        </p:nvPicPr>
-        <p:blipFill>
-          <a:blip r:embed="rId3" cstate="print">
-            <a:extLst>
-              <a:ext uri="{28A0092B-C50C-407E-A947-70E740481C1C}">
-                <a14:useLocalDpi xmlns:a14="http://schemas.microsoft.com/office/drawing/2010/main" val="0"/>
-              </a:ext>
-            </a:extLst>
-          </a:blip>
-          <a:stretch>
-            <a:fillRect/>
-          </a:stretch>
-        </p:blipFill>
-        <p:spPr>
-          <a:xfrm flipH="1">
-            <a:off x="5714999" y="5100645"/>
-            <a:ext cx="242829" cy="463865"/>
-          </a:xfrm>
-          <a:prstGeom prst="rect">
-            <a:avLst/>
-          </a:prstGeom>
-        </p:spPr>
-      </p:pic>
-      <p:pic>
-        <p:nvPicPr>
-          <p:cNvPr id="8" name="Picture 7"/>
-          <p:cNvPicPr>
-            <a:picLocks noChangeAspect="1"/>
-          </p:cNvPicPr>
-          <p:nvPr/>
-        </p:nvPicPr>
-        <p:blipFill>
-          <a:blip r:embed="rId4" cstate="print">
-            <a:extLst>
-              <a:ext uri="{28A0092B-C50C-407E-A947-70E740481C1C}">
-                <a14:useLocalDpi xmlns:a14="http://schemas.microsoft.com/office/drawing/2010/main" val="0"/>
-              </a:ext>
-            </a:extLst>
-          </a:blip>
-          <a:stretch>
-            <a:fillRect/>
-          </a:stretch>
-        </p:blipFill>
-        <p:spPr>
-          <a:xfrm>
-            <a:off x="3056471" y="4735267"/>
-            <a:ext cx="252127" cy="509400"/>
-          </a:xfrm>
-          <a:prstGeom prst="rect">
-            <a:avLst/>
-          </a:prstGeom>
-        </p:spPr>
-      </p:pic>
-      <p:pic>
-        <p:nvPicPr>
-          <p:cNvPr id="9" name="Picture 8"/>
-          <p:cNvPicPr>
-            <a:picLocks noChangeAspect="1"/>
-          </p:cNvPicPr>
-          <p:nvPr/>
-        </p:nvPicPr>
-        <p:blipFill>
-          <a:blip r:embed="rId5" cstate="print">
-            <a:extLst>
-              <a:ext uri="{28A0092B-C50C-407E-A947-70E740481C1C}">
-                <a14:useLocalDpi xmlns:a14="http://schemas.microsoft.com/office/drawing/2010/main" val="0"/>
-              </a:ext>
-            </a:extLst>
-          </a:blip>
-          <a:stretch>
-            <a:fillRect/>
-          </a:stretch>
-        </p:blipFill>
-        <p:spPr>
-          <a:xfrm flipH="1">
-            <a:off x="1295400" y="4411202"/>
-            <a:ext cx="383535" cy="598639"/>
-          </a:xfrm>
-          <a:prstGeom prst="rect">
-            <a:avLst/>
-          </a:prstGeom>
-        </p:spPr>
-      </p:pic>
-      <p:pic>
-        <p:nvPicPr>
-          <p:cNvPr id="12" name="Picture 11"/>
-          <p:cNvPicPr>
-            <a:picLocks noChangeAspect="1"/>
-          </p:cNvPicPr>
-          <p:nvPr/>
-        </p:nvPicPr>
-        <p:blipFill>
-          <a:blip r:embed="rId2">
-            <a:extLst>
-              <a:ext uri="{28A0092B-C50C-407E-A947-70E740481C1C}">
-                <a14:useLocalDpi xmlns:a14="http://schemas.microsoft.com/office/drawing/2010/main" val="0"/>
-              </a:ext>
-            </a:extLst>
-          </a:blip>
-          <a:stretch>
-            <a:fillRect/>
-          </a:stretch>
-        </p:blipFill>
-        <p:spPr>
-          <a:xfrm>
-            <a:off x="6248400" y="1295400"/>
-            <a:ext cx="1429706" cy="1676400"/>
-          </a:xfrm>
-          <a:prstGeom prst="rect">
-            <a:avLst/>
-          </a:prstGeom>
-        </p:spPr>
-      </p:pic>
-      <p:pic>
-        <p:nvPicPr>
-          <p:cNvPr id="13" name="Picture 12"/>
-          <p:cNvPicPr>
-            <a:picLocks noChangeAspect="1"/>
-          </p:cNvPicPr>
-          <p:nvPr/>
-        </p:nvPicPr>
-        <p:blipFill>
-          <a:blip r:embed="rId4" cstate="print">
-            <a:extLst>
-              <a:ext uri="{28A0092B-C50C-407E-A947-70E740481C1C}">
-                <a14:useLocalDpi xmlns:a14="http://schemas.microsoft.com/office/drawing/2010/main" val="0"/>
-              </a:ext>
-            </a:extLst>
-          </a:blip>
-          <a:stretch>
-            <a:fillRect/>
-          </a:stretch>
-        </p:blipFill>
-        <p:spPr>
-          <a:xfrm>
-            <a:off x="7678106" y="4521900"/>
-            <a:ext cx="252127" cy="509400"/>
-          </a:xfrm>
-          <a:prstGeom prst="rect">
-            <a:avLst/>
-          </a:prstGeom>
-        </p:spPr>
-      </p:pic>
-      <p:pic>
-        <p:nvPicPr>
-          <p:cNvPr id="14" name="Picture 13"/>
-          <p:cNvPicPr>
-            <a:picLocks noChangeAspect="1"/>
-          </p:cNvPicPr>
-          <p:nvPr/>
-        </p:nvPicPr>
-        <p:blipFill>
-          <a:blip r:embed="rId5" cstate="print">
-            <a:extLst>
-              <a:ext uri="{28A0092B-C50C-407E-A947-70E740481C1C}">
-                <a14:useLocalDpi xmlns:a14="http://schemas.microsoft.com/office/drawing/2010/main" val="0"/>
-              </a:ext>
-            </a:extLst>
-          </a:blip>
-          <a:stretch>
-            <a:fillRect/>
-          </a:stretch>
-        </p:blipFill>
-        <p:spPr>
-          <a:xfrm flipH="1">
-            <a:off x="4008954" y="1143000"/>
-            <a:ext cx="383535" cy="598639"/>
-          </a:xfrm>
-          <a:prstGeom prst="rect">
-            <a:avLst/>
-          </a:prstGeom>
-        </p:spPr>
-      </p:pic>
-      <p:pic>
-        <p:nvPicPr>
-          <p:cNvPr id="15" name="Picture 14"/>
-          <p:cNvPicPr>
-            <a:picLocks noChangeAspect="1"/>
-          </p:cNvPicPr>
-          <p:nvPr/>
-        </p:nvPicPr>
-        <p:blipFill>
-          <a:blip r:embed="rId3" cstate="print">
-            <a:extLst>
-              <a:ext uri="{28A0092B-C50C-407E-A947-70E740481C1C}">
-                <a14:useLocalDpi xmlns:a14="http://schemas.microsoft.com/office/drawing/2010/main" val="0"/>
-              </a:ext>
-            </a:extLst>
-          </a:blip>
-          <a:stretch>
-            <a:fillRect/>
-          </a:stretch>
-        </p:blipFill>
-        <p:spPr>
-          <a:xfrm flipH="1">
-            <a:off x="4149660" y="2743200"/>
-            <a:ext cx="242829" cy="463865"/>
-          </a:xfrm>
-          <a:prstGeom prst="rect">
-            <a:avLst/>
-          </a:prstGeom>
-        </p:spPr>
-      </p:pic>
-      <p:cxnSp>
-        <p:nvCxnSpPr>
-          <p:cNvPr id="11" name="Straight Arrow Connector 10"/>
-          <p:cNvCxnSpPr/>
-          <p:nvPr/>
-        </p:nvCxnSpPr>
-        <p:spPr>
-          <a:xfrm>
-            <a:off x="2743200" y="2667000"/>
-            <a:ext cx="1295400" cy="397854"/>
-          </a:xfrm>
-          <a:prstGeom prst="straightConnector1">
-            <a:avLst/>
-          </a:prstGeom>
-          <a:ln>
-            <a:tailEnd type="triangle"/>
-          </a:ln>
-        </p:spPr>
-        <p:style>
-          <a:lnRef idx="1">
-            <a:schemeClr val="accent3"/>
-          </a:lnRef>
-          <a:fillRef idx="0">
-            <a:schemeClr val="accent3"/>
-          </a:fillRef>
-          <a:effectRef idx="0">
-            <a:schemeClr val="accent3"/>
-          </a:effectRef>
-          <a:fontRef idx="minor">
-            <a:schemeClr val="tx1"/>
-          </a:fontRef>
-        </p:style>
-      </p:cxnSp>
-      <p:cxnSp>
-        <p:nvCxnSpPr>
-          <p:cNvPr id="22" name="Straight Arrow Connector 21"/>
-          <p:cNvCxnSpPr/>
-          <p:nvPr/>
-        </p:nvCxnSpPr>
-        <p:spPr>
-          <a:xfrm flipH="1">
-            <a:off x="6019800" y="3152311"/>
-            <a:ext cx="609600" cy="1857530"/>
-          </a:xfrm>
-          <a:prstGeom prst="straightConnector1">
-            <a:avLst/>
-          </a:prstGeom>
-          <a:ln>
-            <a:tailEnd type="triangle"/>
-          </a:ln>
-        </p:spPr>
-        <p:style>
-          <a:lnRef idx="1">
-            <a:schemeClr val="accent3"/>
-          </a:lnRef>
-          <a:fillRef idx="0">
-            <a:schemeClr val="accent3"/>
-          </a:fillRef>
-          <a:effectRef idx="0">
-            <a:schemeClr val="accent3"/>
-          </a:effectRef>
-          <a:fontRef idx="minor">
-            <a:schemeClr val="tx1"/>
-          </a:fontRef>
-        </p:style>
-      </p:cxnSp>
-      <p:cxnSp>
-        <p:nvCxnSpPr>
-          <p:cNvPr id="25" name="Straight Arrow Connector 24"/>
-          <p:cNvCxnSpPr/>
-          <p:nvPr/>
-        </p:nvCxnSpPr>
-        <p:spPr>
-          <a:xfrm>
-            <a:off x="2183879" y="3119839"/>
-            <a:ext cx="872592" cy="1528361"/>
-          </a:xfrm>
-          <a:prstGeom prst="straightConnector1">
-            <a:avLst/>
-          </a:prstGeom>
-          <a:ln>
-            <a:tailEnd type="triangle"/>
-          </a:ln>
-        </p:spPr>
-        <p:style>
-          <a:lnRef idx="1">
-            <a:schemeClr val="accent3"/>
-          </a:lnRef>
-          <a:fillRef idx="0">
-            <a:schemeClr val="accent3"/>
-          </a:fillRef>
-          <a:effectRef idx="0">
-            <a:schemeClr val="accent3"/>
-          </a:effectRef>
-          <a:fontRef idx="minor">
-            <a:schemeClr val="tx1"/>
-          </a:fontRef>
-        </p:style>
-      </p:cxnSp>
-      <p:cxnSp>
-        <p:nvCxnSpPr>
-          <p:cNvPr id="27" name="Straight Arrow Connector 26"/>
-          <p:cNvCxnSpPr/>
-          <p:nvPr/>
-        </p:nvCxnSpPr>
-        <p:spPr>
-          <a:xfrm flipH="1">
-            <a:off x="1524000" y="3119839"/>
-            <a:ext cx="457200" cy="1147361"/>
-          </a:xfrm>
-          <a:prstGeom prst="straightConnector1">
-            <a:avLst/>
-          </a:prstGeom>
-          <a:ln>
-            <a:tailEnd type="triangle"/>
-          </a:ln>
-        </p:spPr>
-        <p:style>
-          <a:lnRef idx="1">
-            <a:schemeClr val="accent3"/>
-          </a:lnRef>
-          <a:fillRef idx="0">
-            <a:schemeClr val="accent3"/>
-          </a:fillRef>
-          <a:effectRef idx="0">
-            <a:schemeClr val="accent3"/>
-          </a:effectRef>
-          <a:fontRef idx="minor">
-            <a:schemeClr val="tx1"/>
-          </a:fontRef>
-        </p:style>
-      </p:cxnSp>
-      <p:cxnSp>
-        <p:nvCxnSpPr>
-          <p:cNvPr id="30" name="Straight Arrow Connector 29"/>
-          <p:cNvCxnSpPr/>
-          <p:nvPr/>
-        </p:nvCxnSpPr>
-        <p:spPr>
-          <a:xfrm>
-            <a:off x="7103250" y="3158362"/>
-            <a:ext cx="574856" cy="1185038"/>
-          </a:xfrm>
-          <a:prstGeom prst="straightConnector1">
-            <a:avLst/>
-          </a:prstGeom>
-          <a:ln>
-            <a:tailEnd type="triangle"/>
-          </a:ln>
-        </p:spPr>
-        <p:style>
-          <a:lnRef idx="1">
-            <a:schemeClr val="accent3"/>
-          </a:lnRef>
-          <a:fillRef idx="0">
-            <a:schemeClr val="accent3"/>
-          </a:fillRef>
-          <a:effectRef idx="0">
-            <a:schemeClr val="accent3"/>
-          </a:effectRef>
-          <a:fontRef idx="minor">
-            <a:schemeClr val="tx1"/>
-          </a:fontRef>
-        </p:style>
-      </p:cxnSp>
-      <p:cxnSp>
-        <p:nvCxnSpPr>
-          <p:cNvPr id="34" name="Straight Arrow Connector 33"/>
-          <p:cNvCxnSpPr/>
-          <p:nvPr/>
-        </p:nvCxnSpPr>
-        <p:spPr>
-          <a:xfrm flipH="1" flipV="1">
-            <a:off x="4495800" y="1600200"/>
-            <a:ext cx="1752600" cy="990600"/>
-          </a:xfrm>
-          <a:prstGeom prst="straightConnector1">
-            <a:avLst/>
-          </a:prstGeom>
-          <a:ln>
-            <a:tailEnd type="triangle"/>
-          </a:ln>
-        </p:spPr>
-        <p:style>
-          <a:lnRef idx="1">
-            <a:schemeClr val="accent3"/>
-          </a:lnRef>
-          <a:fillRef idx="0">
-            <a:schemeClr val="accent3"/>
-          </a:fillRef>
-          <a:effectRef idx="0">
-            <a:schemeClr val="accent3"/>
-          </a:effectRef>
-          <a:fontRef idx="minor">
-            <a:schemeClr val="tx1"/>
-          </a:fontRef>
-        </p:style>
-      </p:cxnSp>
-      <p:sp>
-        <p:nvSpPr>
-          <p:cNvPr id="36" name="Freeform 35"/>
-          <p:cNvSpPr/>
-          <p:nvPr/>
-        </p:nvSpPr>
-        <p:spPr>
-          <a:xfrm>
-            <a:off x="3380975" y="683879"/>
-            <a:ext cx="1845032" cy="5271247"/>
-          </a:xfrm>
-          <a:custGeom>
-            <a:avLst/>
-            <a:gdLst>
-              <a:gd name="connsiteX0" fmla="*/ 0 w 1845032"/>
-              <a:gd name="connsiteY0" fmla="*/ 0 h 5271247"/>
-              <a:gd name="connsiteX1" fmla="*/ 499462 w 1845032"/>
-              <a:gd name="connsiteY1" fmla="*/ 1337022 h 5271247"/>
-              <a:gd name="connsiteX2" fmla="*/ 1844168 w 1845032"/>
-              <a:gd name="connsiteY2" fmla="*/ 2627939 h 5271247"/>
-              <a:gd name="connsiteX3" fmla="*/ 660827 w 1845032"/>
-              <a:gd name="connsiteY3" fmla="*/ 5271247 h 5271247"/>
-            </a:gdLst>
-            <a:ahLst/>
-            <a:cxnLst>
-              <a:cxn ang="0">
-                <a:pos x="connsiteX0" y="connsiteY0"/>
-              </a:cxn>
-              <a:cxn ang="0">
-                <a:pos x="connsiteX1" y="connsiteY1"/>
-              </a:cxn>
-              <a:cxn ang="0">
-                <a:pos x="connsiteX2" y="connsiteY2"/>
-              </a:cxn>
-              <a:cxn ang="0">
-                <a:pos x="connsiteX3" y="connsiteY3"/>
-              </a:cxn>
-            </a:cxnLst>
-            <a:rect l="l" t="t" r="r" b="b"/>
-            <a:pathLst>
-              <a:path w="1845032" h="5271247">
-                <a:moveTo>
-                  <a:pt x="0" y="0"/>
-                </a:moveTo>
-                <a:cubicBezTo>
-                  <a:pt x="96050" y="449516"/>
-                  <a:pt x="192101" y="899032"/>
-                  <a:pt x="499462" y="1337022"/>
-                </a:cubicBezTo>
-                <a:cubicBezTo>
-                  <a:pt x="806823" y="1775012"/>
-                  <a:pt x="1817274" y="1972235"/>
-                  <a:pt x="1844168" y="2627939"/>
-                </a:cubicBezTo>
-                <a:cubicBezTo>
-                  <a:pt x="1871062" y="3283643"/>
-                  <a:pt x="1265944" y="4277445"/>
-                  <a:pt x="660827" y="5271247"/>
-                </a:cubicBezTo>
-              </a:path>
-            </a:pathLst>
-          </a:custGeom>
-          <a:noFill/>
-        </p:spPr>
-        <p:style>
-          <a:lnRef idx="2">
-            <a:schemeClr val="accent1">
-              <a:shade val="50000"/>
-            </a:schemeClr>
-          </a:lnRef>
-          <a:fillRef idx="1">
-            <a:schemeClr val="accent1"/>
-          </a:fillRef>
-          <a:effectRef idx="0">
-            <a:schemeClr val="accent1"/>
-          </a:effectRef>
-          <a:fontRef idx="minor">
-            <a:schemeClr val="lt1"/>
-          </a:fontRef>
-        </p:style>
-        <p:txBody>
-          <a:bodyPr rtlCol="0" anchor="ctr"/>
-          <a:lstStyle/>
-          <a:p>
-            <a:pPr algn="ctr"/>
-            <a:endParaRPr lang="en-US"/>
-          </a:p>
-        </p:txBody>
-      </p:sp>
-      <p:cxnSp>
-        <p:nvCxnSpPr>
-          <p:cNvPr id="42" name="Straight Arrow Connector 41"/>
-          <p:cNvCxnSpPr/>
-          <p:nvPr/>
-        </p:nvCxnSpPr>
-        <p:spPr>
-          <a:xfrm flipH="1">
-            <a:off x="4545746" y="2780363"/>
-            <a:ext cx="1752600" cy="284491"/>
-          </a:xfrm>
-          <a:prstGeom prst="straightConnector1">
-            <a:avLst/>
-          </a:prstGeom>
-          <a:ln>
-            <a:prstDash val="lgDashDot"/>
-            <a:tailEnd type="triangle"/>
-          </a:ln>
-        </p:spPr>
-        <p:style>
-          <a:lnRef idx="1">
-            <a:schemeClr val="accent6"/>
-          </a:lnRef>
-          <a:fillRef idx="0">
-            <a:schemeClr val="accent6"/>
-          </a:fillRef>
-          <a:effectRef idx="0">
-            <a:schemeClr val="accent6"/>
-          </a:effectRef>
-          <a:fontRef idx="minor">
-            <a:schemeClr val="tx1"/>
-          </a:fontRef>
-        </p:style>
-      </p:cxnSp>
-      <p:cxnSp>
-        <p:nvCxnSpPr>
-          <p:cNvPr id="44" name="Straight Arrow Connector 43"/>
-          <p:cNvCxnSpPr/>
-          <p:nvPr/>
-        </p:nvCxnSpPr>
-        <p:spPr>
-          <a:xfrm flipH="1">
-            <a:off x="3429000" y="3020220"/>
-            <a:ext cx="3048001" cy="1856580"/>
-          </a:xfrm>
-          <a:prstGeom prst="straightConnector1">
-            <a:avLst/>
-          </a:prstGeom>
-          <a:ln>
-            <a:prstDash val="lgDashDot"/>
-            <a:tailEnd type="triangle"/>
-          </a:ln>
-        </p:spPr>
-        <p:style>
-          <a:lnRef idx="1">
-            <a:schemeClr val="accent6"/>
-          </a:lnRef>
-          <a:fillRef idx="0">
-            <a:schemeClr val="accent6"/>
-          </a:fillRef>
-          <a:effectRef idx="0">
-            <a:schemeClr val="accent6"/>
-          </a:effectRef>
-          <a:fontRef idx="minor">
-            <a:schemeClr val="tx1"/>
-          </a:fontRef>
-        </p:style>
-      </p:cxnSp>
-      <p:cxnSp>
-        <p:nvCxnSpPr>
-          <p:cNvPr id="46" name="Straight Arrow Connector 45"/>
-          <p:cNvCxnSpPr/>
-          <p:nvPr/>
-        </p:nvCxnSpPr>
-        <p:spPr>
-          <a:xfrm flipH="1">
-            <a:off x="1779244" y="2921700"/>
-            <a:ext cx="4572000" cy="1600200"/>
-          </a:xfrm>
-          <a:prstGeom prst="straightConnector1">
-            <a:avLst/>
-          </a:prstGeom>
-          <a:ln>
-            <a:prstDash val="lgDashDot"/>
-            <a:tailEnd type="triangle"/>
-          </a:ln>
-        </p:spPr>
-        <p:style>
-          <a:lnRef idx="1">
-            <a:schemeClr val="accent6"/>
-          </a:lnRef>
-          <a:fillRef idx="0">
-            <a:schemeClr val="accent6"/>
-          </a:fillRef>
-          <a:effectRef idx="0">
-            <a:schemeClr val="accent6"/>
-          </a:effectRef>
-          <a:fontRef idx="minor">
-            <a:schemeClr val="tx1"/>
-          </a:fontRef>
-        </p:style>
-      </p:cxnSp>
-      <p:cxnSp>
-        <p:nvCxnSpPr>
-          <p:cNvPr id="48" name="Straight Arrow Connector 47"/>
-          <p:cNvCxnSpPr/>
-          <p:nvPr/>
-        </p:nvCxnSpPr>
-        <p:spPr>
-          <a:xfrm flipV="1">
-            <a:off x="2628900" y="1600200"/>
-            <a:ext cx="1380054" cy="948232"/>
-          </a:xfrm>
-          <a:prstGeom prst="straightConnector1">
-            <a:avLst/>
-          </a:prstGeom>
-          <a:ln>
-            <a:prstDash val="lgDashDot"/>
-            <a:tailEnd type="triangle"/>
-          </a:ln>
-        </p:spPr>
-        <p:style>
-          <a:lnRef idx="1">
-            <a:schemeClr val="accent6"/>
-          </a:lnRef>
-          <a:fillRef idx="0">
-            <a:schemeClr val="accent6"/>
-          </a:fillRef>
-          <a:effectRef idx="0">
-            <a:schemeClr val="accent6"/>
-          </a:effectRef>
-          <a:fontRef idx="minor">
-            <a:schemeClr val="tx1"/>
-          </a:fontRef>
-        </p:style>
-      </p:cxnSp>
-      <p:cxnSp>
-        <p:nvCxnSpPr>
-          <p:cNvPr id="52" name="Straight Arrow Connector 51"/>
-          <p:cNvCxnSpPr/>
-          <p:nvPr/>
-        </p:nvCxnSpPr>
-        <p:spPr>
-          <a:xfrm>
-            <a:off x="2700873" y="2899224"/>
-            <a:ext cx="4766727" cy="1811297"/>
-          </a:xfrm>
-          <a:prstGeom prst="straightConnector1">
-            <a:avLst/>
-          </a:prstGeom>
-          <a:ln>
-            <a:prstDash val="lgDashDot"/>
-            <a:tailEnd type="triangle"/>
-          </a:ln>
-        </p:spPr>
-        <p:style>
-          <a:lnRef idx="1">
-            <a:schemeClr val="accent6"/>
-          </a:lnRef>
-          <a:fillRef idx="0">
-            <a:schemeClr val="accent6"/>
-          </a:fillRef>
-          <a:effectRef idx="0">
-            <a:schemeClr val="accent6"/>
-          </a:effectRef>
-          <a:fontRef idx="minor">
-            <a:schemeClr val="tx1"/>
-          </a:fontRef>
-        </p:style>
-      </p:cxnSp>
-      <p:cxnSp>
-        <p:nvCxnSpPr>
-          <p:cNvPr id="53" name="Straight Arrow Connector 52"/>
-          <p:cNvCxnSpPr/>
-          <p:nvPr/>
-        </p:nvCxnSpPr>
-        <p:spPr>
-          <a:xfrm>
-            <a:off x="2625165" y="3040477"/>
-            <a:ext cx="2937435" cy="2217323"/>
-          </a:xfrm>
-          <a:prstGeom prst="straightConnector1">
-            <a:avLst/>
-          </a:prstGeom>
-          <a:ln>
-            <a:prstDash val="lgDashDot"/>
-            <a:tailEnd type="triangle"/>
-          </a:ln>
-        </p:spPr>
-        <p:style>
-          <a:lnRef idx="1">
-            <a:schemeClr val="accent6"/>
-          </a:lnRef>
-          <a:fillRef idx="0">
-            <a:schemeClr val="accent6"/>
-          </a:fillRef>
-          <a:effectRef idx="0">
-            <a:schemeClr val="accent6"/>
-          </a:effectRef>
-          <a:fontRef idx="minor">
-            <a:schemeClr val="tx1"/>
-          </a:fontRef>
-        </p:style>
-      </p:cxnSp>
-      <p:cxnSp>
-        <p:nvCxnSpPr>
-          <p:cNvPr id="61" name="Straight Connector 60"/>
-          <p:cNvCxnSpPr/>
-          <p:nvPr/>
-        </p:nvCxnSpPr>
-        <p:spPr>
-          <a:xfrm>
-            <a:off x="7116375" y="5955126"/>
-            <a:ext cx="427425" cy="0"/>
-          </a:xfrm>
-          <a:prstGeom prst="line">
-            <a:avLst/>
-          </a:prstGeom>
-        </p:spPr>
-        <p:style>
-          <a:lnRef idx="1">
-            <a:schemeClr val="accent3"/>
-          </a:lnRef>
-          <a:fillRef idx="0">
-            <a:schemeClr val="accent3"/>
-          </a:fillRef>
-          <a:effectRef idx="0">
-            <a:schemeClr val="accent3"/>
-          </a:effectRef>
-          <a:fontRef idx="minor">
-            <a:schemeClr val="tx1"/>
-          </a:fontRef>
-        </p:style>
-      </p:cxnSp>
-      <p:cxnSp>
-        <p:nvCxnSpPr>
-          <p:cNvPr id="64" name="Straight Connector 63"/>
-          <p:cNvCxnSpPr/>
-          <p:nvPr/>
-        </p:nvCxnSpPr>
-        <p:spPr>
-          <a:xfrm>
-            <a:off x="7116375" y="6248400"/>
-            <a:ext cx="427425" cy="0"/>
-          </a:xfrm>
-          <a:prstGeom prst="line">
-            <a:avLst/>
-          </a:prstGeom>
-          <a:ln>
-            <a:prstDash val="lgDashDot"/>
-          </a:ln>
-        </p:spPr>
-        <p:style>
-          <a:lnRef idx="1">
-            <a:schemeClr val="accent6"/>
-          </a:lnRef>
-          <a:fillRef idx="0">
-            <a:schemeClr val="accent6"/>
-          </a:fillRef>
-          <a:effectRef idx="0">
-            <a:schemeClr val="accent6"/>
-          </a:effectRef>
-          <a:fontRef idx="minor">
-            <a:schemeClr val="tx1"/>
-          </a:fontRef>
-        </p:style>
-      </p:cxnSp>
-      <p:sp>
-        <p:nvSpPr>
-          <p:cNvPr id="62" name="TextBox 61"/>
-          <p:cNvSpPr txBox="1"/>
-          <p:nvPr/>
-        </p:nvSpPr>
-        <p:spPr>
-          <a:xfrm>
-            <a:off x="7559478" y="6132984"/>
-            <a:ext cx="1063112" cy="230832"/>
-          </a:xfrm>
-          <a:prstGeom prst="rect">
-            <a:avLst/>
-          </a:prstGeom>
-          <a:noFill/>
-        </p:spPr>
-        <p:txBody>
-          <a:bodyPr wrap="none" rtlCol="0">
-            <a:spAutoFit/>
-          </a:bodyPr>
-          <a:lstStyle/>
-          <a:p>
-            <a:r>
-              <a:rPr lang="en-US" sz="900" dirty="0" smtClean="0"/>
-              <a:t>Interference signal</a:t>
-            </a:r>
-            <a:endParaRPr lang="en-US" sz="900" dirty="0"/>
-          </a:p>
-        </p:txBody>
-      </p:sp>
-      <p:sp>
-        <p:nvSpPr>
-          <p:cNvPr id="66" name="TextBox 65"/>
-          <p:cNvSpPr txBox="1"/>
-          <p:nvPr/>
-        </p:nvSpPr>
-        <p:spPr>
-          <a:xfrm>
-            <a:off x="7559478" y="5839710"/>
-            <a:ext cx="838691" cy="230832"/>
-          </a:xfrm>
-          <a:prstGeom prst="rect">
-            <a:avLst/>
-          </a:prstGeom>
-          <a:noFill/>
-        </p:spPr>
-        <p:txBody>
-          <a:bodyPr wrap="none" rtlCol="0">
-            <a:spAutoFit/>
-          </a:bodyPr>
-          <a:lstStyle/>
-          <a:p>
-            <a:r>
-              <a:rPr lang="en-US" sz="900" dirty="0" smtClean="0"/>
-              <a:t>Desired signal</a:t>
-            </a:r>
-            <a:endParaRPr lang="en-US" sz="900" dirty="0"/>
-          </a:p>
-        </p:txBody>
-      </p:sp>
       <p:grpSp>
         <p:nvGrpSpPr>
-          <p:cNvPr id="21" name="Group 20"/>
+          <p:cNvPr id="5" name="Group 4"/>
           <p:cNvGrpSpPr/>
           <p:nvPr/>
         </p:nvGrpSpPr>
         <p:grpSpPr>
           <a:xfrm>
-            <a:off x="2354542" y="642257"/>
-            <a:ext cx="159444" cy="457200"/>
-            <a:chOff x="2278956" y="642257"/>
-            <a:chExt cx="159444" cy="457200"/>
+            <a:off x="1295400" y="762000"/>
+            <a:ext cx="6752005" cy="5313824"/>
+            <a:chOff x="1295400" y="448831"/>
+            <a:chExt cx="6752005" cy="5313824"/>
           </a:xfrm>
         </p:grpSpPr>
+        <p:pic>
+          <p:nvPicPr>
+            <p:cNvPr id="6" name="Picture 5"/>
+            <p:cNvPicPr>
+              <a:picLocks noChangeAspect="1"/>
+            </p:cNvPicPr>
+            <p:nvPr/>
+          </p:nvPicPr>
+          <p:blipFill>
+            <a:blip r:embed="rId2">
+              <a:extLst>
+                <a:ext uri="{28A0092B-C50C-407E-A947-70E740481C1C}">
+                  <a14:useLocalDpi xmlns:a14="http://schemas.microsoft.com/office/drawing/2010/main" val="0"/>
+                </a:ext>
+              </a:extLst>
+            </a:blip>
+            <a:stretch>
+              <a:fillRect/>
+            </a:stretch>
+          </p:blipFill>
+          <p:spPr>
+            <a:xfrm>
+              <a:off x="1371600" y="1295400"/>
+              <a:ext cx="1429706" cy="1676400"/>
+            </a:xfrm>
+            <a:prstGeom prst="rect">
+              <a:avLst/>
+            </a:prstGeom>
+          </p:spPr>
+        </p:pic>
+        <p:pic>
+          <p:nvPicPr>
+            <p:cNvPr id="7" name="Picture 6"/>
+            <p:cNvPicPr>
+              <a:picLocks noChangeAspect="1"/>
+            </p:cNvPicPr>
+            <p:nvPr/>
+          </p:nvPicPr>
+          <p:blipFill>
+            <a:blip r:embed="rId3" cstate="print">
+              <a:extLst>
+                <a:ext uri="{28A0092B-C50C-407E-A947-70E740481C1C}">
+                  <a14:useLocalDpi xmlns:a14="http://schemas.microsoft.com/office/drawing/2010/main" val="0"/>
+                </a:ext>
+              </a:extLst>
+            </a:blip>
+            <a:stretch>
+              <a:fillRect/>
+            </a:stretch>
+          </p:blipFill>
+          <p:spPr>
+            <a:xfrm flipH="1">
+              <a:off x="5714999" y="5100645"/>
+              <a:ext cx="242829" cy="463865"/>
+            </a:xfrm>
+            <a:prstGeom prst="rect">
+              <a:avLst/>
+            </a:prstGeom>
+          </p:spPr>
+        </p:pic>
+        <p:pic>
+          <p:nvPicPr>
+            <p:cNvPr id="8" name="Picture 7"/>
+            <p:cNvPicPr>
+              <a:picLocks noChangeAspect="1"/>
+            </p:cNvPicPr>
+            <p:nvPr/>
+          </p:nvPicPr>
+          <p:blipFill>
+            <a:blip r:embed="rId4" cstate="print">
+              <a:extLst>
+                <a:ext uri="{28A0092B-C50C-407E-A947-70E740481C1C}">
+                  <a14:useLocalDpi xmlns:a14="http://schemas.microsoft.com/office/drawing/2010/main" val="0"/>
+                </a:ext>
+              </a:extLst>
+            </a:blip>
+            <a:stretch>
+              <a:fillRect/>
+            </a:stretch>
+          </p:blipFill>
+          <p:spPr>
+            <a:xfrm>
+              <a:off x="3056471" y="4735267"/>
+              <a:ext cx="252127" cy="509400"/>
+            </a:xfrm>
+            <a:prstGeom prst="rect">
+              <a:avLst/>
+            </a:prstGeom>
+          </p:spPr>
+        </p:pic>
+        <p:pic>
+          <p:nvPicPr>
+            <p:cNvPr id="9" name="Picture 8"/>
+            <p:cNvPicPr>
+              <a:picLocks noChangeAspect="1"/>
+            </p:cNvPicPr>
+            <p:nvPr/>
+          </p:nvPicPr>
+          <p:blipFill>
+            <a:blip r:embed="rId5" cstate="print">
+              <a:extLst>
+                <a:ext uri="{28A0092B-C50C-407E-A947-70E740481C1C}">
+                  <a14:useLocalDpi xmlns:a14="http://schemas.microsoft.com/office/drawing/2010/main" val="0"/>
+                </a:ext>
+              </a:extLst>
+            </a:blip>
+            <a:stretch>
+              <a:fillRect/>
+            </a:stretch>
+          </p:blipFill>
+          <p:spPr>
+            <a:xfrm flipH="1">
+              <a:off x="1295400" y="4411202"/>
+              <a:ext cx="383535" cy="598639"/>
+            </a:xfrm>
+            <a:prstGeom prst="rect">
+              <a:avLst/>
+            </a:prstGeom>
+          </p:spPr>
+        </p:pic>
+        <p:pic>
+          <p:nvPicPr>
+            <p:cNvPr id="12" name="Picture 11"/>
+            <p:cNvPicPr>
+              <a:picLocks noChangeAspect="1"/>
+            </p:cNvPicPr>
+            <p:nvPr/>
+          </p:nvPicPr>
+          <p:blipFill>
+            <a:blip r:embed="rId2">
+              <a:extLst>
+                <a:ext uri="{28A0092B-C50C-407E-A947-70E740481C1C}">
+                  <a14:useLocalDpi xmlns:a14="http://schemas.microsoft.com/office/drawing/2010/main" val="0"/>
+                </a:ext>
+              </a:extLst>
+            </a:blip>
+            <a:stretch>
+              <a:fillRect/>
+            </a:stretch>
+          </p:blipFill>
+          <p:spPr>
+            <a:xfrm>
+              <a:off x="6248400" y="1295400"/>
+              <a:ext cx="1429706" cy="1676400"/>
+            </a:xfrm>
+            <a:prstGeom prst="rect">
+              <a:avLst/>
+            </a:prstGeom>
+          </p:spPr>
+        </p:pic>
+        <p:pic>
+          <p:nvPicPr>
+            <p:cNvPr id="13" name="Picture 12"/>
+            <p:cNvPicPr>
+              <a:picLocks noChangeAspect="1"/>
+            </p:cNvPicPr>
+            <p:nvPr/>
+          </p:nvPicPr>
+          <p:blipFill>
+            <a:blip r:embed="rId4" cstate="print">
+              <a:extLst>
+                <a:ext uri="{28A0092B-C50C-407E-A947-70E740481C1C}">
+                  <a14:useLocalDpi xmlns:a14="http://schemas.microsoft.com/office/drawing/2010/main" val="0"/>
+                </a:ext>
+              </a:extLst>
+            </a:blip>
+            <a:stretch>
+              <a:fillRect/>
+            </a:stretch>
+          </p:blipFill>
+          <p:spPr>
+            <a:xfrm>
+              <a:off x="7704695" y="4367400"/>
+              <a:ext cx="252127" cy="509400"/>
+            </a:xfrm>
+            <a:prstGeom prst="rect">
+              <a:avLst/>
+            </a:prstGeom>
+          </p:spPr>
+        </p:pic>
+        <p:pic>
+          <p:nvPicPr>
+            <p:cNvPr id="14" name="Picture 13"/>
+            <p:cNvPicPr>
+              <a:picLocks noChangeAspect="1"/>
+            </p:cNvPicPr>
+            <p:nvPr/>
+          </p:nvPicPr>
+          <p:blipFill>
+            <a:blip r:embed="rId5" cstate="print">
+              <a:extLst>
+                <a:ext uri="{28A0092B-C50C-407E-A947-70E740481C1C}">
+                  <a14:useLocalDpi xmlns:a14="http://schemas.microsoft.com/office/drawing/2010/main" val="0"/>
+                </a:ext>
+              </a:extLst>
+            </a:blip>
+            <a:stretch>
+              <a:fillRect/>
+            </a:stretch>
+          </p:blipFill>
+          <p:spPr>
+            <a:xfrm flipH="1">
+              <a:off x="4008954" y="1143000"/>
+              <a:ext cx="383535" cy="598639"/>
+            </a:xfrm>
+            <a:prstGeom prst="rect">
+              <a:avLst/>
+            </a:prstGeom>
+          </p:spPr>
+        </p:pic>
+        <p:pic>
+          <p:nvPicPr>
+            <p:cNvPr id="15" name="Picture 14"/>
+            <p:cNvPicPr>
+              <a:picLocks noChangeAspect="1"/>
+            </p:cNvPicPr>
+            <p:nvPr/>
+          </p:nvPicPr>
+          <p:blipFill>
+            <a:blip r:embed="rId3" cstate="print">
+              <a:extLst>
+                <a:ext uri="{28A0092B-C50C-407E-A947-70E740481C1C}">
+                  <a14:useLocalDpi xmlns:a14="http://schemas.microsoft.com/office/drawing/2010/main" val="0"/>
+                </a:ext>
+              </a:extLst>
+            </a:blip>
+            <a:stretch>
+              <a:fillRect/>
+            </a:stretch>
+          </p:blipFill>
+          <p:spPr>
+            <a:xfrm flipH="1">
+              <a:off x="4149660" y="2743200"/>
+              <a:ext cx="242829" cy="463865"/>
+            </a:xfrm>
+            <a:prstGeom prst="rect">
+              <a:avLst/>
+            </a:prstGeom>
+          </p:spPr>
+        </p:pic>
         <p:cxnSp>
           <p:nvCxnSpPr>
-            <p:cNvPr id="40" name="Straight Connector 39"/>
+            <p:cNvPr id="11" name="Straight Arrow Connector 10"/>
             <p:cNvCxnSpPr/>
             <p:nvPr/>
           </p:nvCxnSpPr>
           <p:spPr>
             <a:xfrm>
-              <a:off x="2278956" y="642257"/>
-              <a:ext cx="0" cy="457200"/>
+              <a:off x="2743200" y="2667000"/>
+              <a:ext cx="1295400" cy="397854"/>
             </a:xfrm>
-            <a:prstGeom prst="line">
+            <a:prstGeom prst="straightConnector1">
               <a:avLst/>
             </a:prstGeom>
+            <a:ln>
+              <a:tailEnd type="triangle"/>
+            </a:ln>
           </p:spPr>
           <p:style>
-            <a:lnRef idx="2">
+            <a:lnRef idx="1">
               <a:schemeClr val="accent3"/>
             </a:lnRef>
             <a:fillRef idx="0">
               <a:schemeClr val="accent3"/>
             </a:fillRef>
-            <a:effectRef idx="1">
+            <a:effectRef idx="0">
               <a:schemeClr val="accent3"/>
             </a:effectRef>
             <a:fontRef idx="minor">
@@ -3995,27 +3400,30 @@
         </p:cxnSp>
         <p:cxnSp>
           <p:nvCxnSpPr>
-            <p:cNvPr id="41" name="Straight Connector 40"/>
+            <p:cNvPr id="22" name="Straight Arrow Connector 21"/>
             <p:cNvCxnSpPr/>
             <p:nvPr/>
           </p:nvCxnSpPr>
           <p:spPr>
-            <a:xfrm>
-              <a:off x="2438400" y="642257"/>
-              <a:ext cx="0" cy="457200"/>
+            <a:xfrm flipH="1">
+              <a:off x="6019800" y="3152311"/>
+              <a:ext cx="609600" cy="1857530"/>
             </a:xfrm>
-            <a:prstGeom prst="line">
+            <a:prstGeom prst="straightConnector1">
               <a:avLst/>
             </a:prstGeom>
+            <a:ln>
+              <a:tailEnd type="triangle"/>
+            </a:ln>
           </p:spPr>
           <p:style>
-            <a:lnRef idx="2">
+            <a:lnRef idx="1">
               <a:schemeClr val="accent3"/>
             </a:lnRef>
             <a:fillRef idx="0">
               <a:schemeClr val="accent3"/>
             </a:fillRef>
-            <a:effectRef idx="1">
+            <a:effectRef idx="0">
               <a:schemeClr val="accent3"/>
             </a:effectRef>
             <a:fontRef idx="minor">
@@ -4025,27 +3433,30 @@
         </p:cxnSp>
         <p:cxnSp>
           <p:nvCxnSpPr>
-            <p:cNvPr id="43" name="Straight Connector 42"/>
+            <p:cNvPr id="25" name="Straight Arrow Connector 24"/>
             <p:cNvCxnSpPr/>
             <p:nvPr/>
           </p:nvCxnSpPr>
           <p:spPr>
             <a:xfrm>
-              <a:off x="2278956" y="1099457"/>
-              <a:ext cx="159444" cy="0"/>
+              <a:off x="2183879" y="3119839"/>
+              <a:ext cx="872592" cy="1528361"/>
             </a:xfrm>
-            <a:prstGeom prst="line">
+            <a:prstGeom prst="straightConnector1">
               <a:avLst/>
             </a:prstGeom>
+            <a:ln>
+              <a:tailEnd type="triangle"/>
+            </a:ln>
           </p:spPr>
           <p:style>
-            <a:lnRef idx="2">
+            <a:lnRef idx="1">
               <a:schemeClr val="accent3"/>
             </a:lnRef>
             <a:fillRef idx="0">
               <a:schemeClr val="accent3"/>
             </a:fillRef>
-            <a:effectRef idx="1">
+            <a:effectRef idx="0">
               <a:schemeClr val="accent3"/>
             </a:effectRef>
             <a:fontRef idx="minor">
@@ -4055,73 +3466,31 @@
         </p:cxnSp>
         <p:cxnSp>
           <p:nvCxnSpPr>
-            <p:cNvPr id="45" name="Straight Connector 44"/>
+            <p:cNvPr id="27" name="Straight Arrow Connector 26"/>
             <p:cNvCxnSpPr/>
             <p:nvPr/>
           </p:nvCxnSpPr>
           <p:spPr>
-            <a:xfrm>
-              <a:off x="2278956" y="914400"/>
-              <a:ext cx="159444" cy="0"/>
+            <a:xfrm flipH="1">
+              <a:off x="1524000" y="3119839"/>
+              <a:ext cx="457200" cy="1147361"/>
             </a:xfrm>
-            <a:prstGeom prst="line">
+            <a:prstGeom prst="straightConnector1">
               <a:avLst/>
             </a:prstGeom>
+            <a:ln>
+              <a:tailEnd type="triangle"/>
+            </a:ln>
           </p:spPr>
           <p:style>
-            <a:lnRef idx="2">
+            <a:lnRef idx="1">
               <a:schemeClr val="accent3"/>
             </a:lnRef>
             <a:fillRef idx="0">
               <a:schemeClr val="accent3"/>
             </a:fillRef>
-            <a:effectRef idx="1">
+            <a:effectRef idx="0">
               <a:schemeClr val="accent3"/>
-            </a:effectRef>
-            <a:fontRef idx="minor">
-              <a:schemeClr val="tx1"/>
-            </a:fontRef>
-          </p:style>
-        </p:cxnSp>
-      </p:grpSp>
-      <p:grpSp>
-        <p:nvGrpSpPr>
-          <p:cNvPr id="20" name="Group 19"/>
-          <p:cNvGrpSpPr/>
-          <p:nvPr/>
-        </p:nvGrpSpPr>
-        <p:grpSpPr>
-          <a:xfrm>
-            <a:off x="1977371" y="642257"/>
-            <a:ext cx="159444" cy="457200"/>
-            <a:chOff x="1924448" y="642257"/>
-            <a:chExt cx="159444" cy="457200"/>
-          </a:xfrm>
-        </p:grpSpPr>
-        <p:cxnSp>
-          <p:nvCxnSpPr>
-            <p:cNvPr id="47" name="Straight Connector 46"/>
-            <p:cNvCxnSpPr/>
-            <p:nvPr/>
-          </p:nvCxnSpPr>
-          <p:spPr>
-            <a:xfrm>
-              <a:off x="1924448" y="642257"/>
-              <a:ext cx="0" cy="457200"/>
-            </a:xfrm>
-            <a:prstGeom prst="line">
-              <a:avLst/>
-            </a:prstGeom>
-          </p:spPr>
-          <p:style>
-            <a:lnRef idx="2">
-              <a:schemeClr val="accent2"/>
-            </a:lnRef>
-            <a:fillRef idx="0">
-              <a:schemeClr val="accent2"/>
-            </a:fillRef>
-            <a:effectRef idx="1">
-              <a:schemeClr val="accent2"/>
             </a:effectRef>
             <a:fontRef idx="minor">
               <a:schemeClr val="tx1"/>
@@ -4130,28 +3499,31 @@
         </p:cxnSp>
         <p:cxnSp>
           <p:nvCxnSpPr>
-            <p:cNvPr id="49" name="Straight Connector 48"/>
+            <p:cNvPr id="30" name="Straight Arrow Connector 29"/>
             <p:cNvCxnSpPr/>
             <p:nvPr/>
           </p:nvCxnSpPr>
           <p:spPr>
             <a:xfrm>
-              <a:off x="2083892" y="642257"/>
-              <a:ext cx="0" cy="457200"/>
+              <a:off x="7103250" y="3158362"/>
+              <a:ext cx="642144" cy="1103190"/>
             </a:xfrm>
-            <a:prstGeom prst="line">
+            <a:prstGeom prst="straightConnector1">
               <a:avLst/>
             </a:prstGeom>
+            <a:ln>
+              <a:tailEnd type="triangle"/>
+            </a:ln>
           </p:spPr>
           <p:style>
-            <a:lnRef idx="2">
-              <a:schemeClr val="accent2"/>
+            <a:lnRef idx="1">
+              <a:schemeClr val="accent3"/>
             </a:lnRef>
             <a:fillRef idx="0">
-              <a:schemeClr val="accent2"/>
+              <a:schemeClr val="accent3"/>
             </a:fillRef>
-            <a:effectRef idx="1">
-              <a:schemeClr val="accent2"/>
+            <a:effectRef idx="0">
+              <a:schemeClr val="accent3"/>
             </a:effectRef>
             <a:fontRef idx="minor">
               <a:schemeClr val="tx1"/>
@@ -4160,372 +3532,153 @@
         </p:cxnSp>
         <p:cxnSp>
           <p:nvCxnSpPr>
-            <p:cNvPr id="50" name="Straight Connector 49"/>
+            <p:cNvPr id="34" name="Straight Arrow Connector 33"/>
             <p:cNvCxnSpPr/>
             <p:nvPr/>
           </p:nvCxnSpPr>
           <p:spPr>
-            <a:xfrm>
-              <a:off x="1924448" y="1099457"/>
-              <a:ext cx="159444" cy="0"/>
+            <a:xfrm flipH="1" flipV="1">
+              <a:off x="4495800" y="1600200"/>
+              <a:ext cx="1752600" cy="990600"/>
             </a:xfrm>
-            <a:prstGeom prst="line">
+            <a:prstGeom prst="straightConnector1">
               <a:avLst/>
             </a:prstGeom>
+            <a:ln>
+              <a:tailEnd type="triangle"/>
+            </a:ln>
           </p:spPr>
           <p:style>
-            <a:lnRef idx="2">
-              <a:schemeClr val="accent2"/>
+            <a:lnRef idx="1">
+              <a:schemeClr val="accent3"/>
             </a:lnRef>
             <a:fillRef idx="0">
-              <a:schemeClr val="accent2"/>
+              <a:schemeClr val="accent3"/>
             </a:fillRef>
-            <a:effectRef idx="1">
-              <a:schemeClr val="accent2"/>
+            <a:effectRef idx="0">
+              <a:schemeClr val="accent3"/>
             </a:effectRef>
             <a:fontRef idx="minor">
               <a:schemeClr val="tx1"/>
             </a:fontRef>
           </p:style>
         </p:cxnSp>
+        <p:sp>
+          <p:nvSpPr>
+            <p:cNvPr id="36" name="Freeform 35"/>
+            <p:cNvSpPr/>
+            <p:nvPr/>
+          </p:nvSpPr>
+          <p:spPr>
+            <a:xfrm>
+              <a:off x="3380975" y="683879"/>
+              <a:ext cx="1845032" cy="5031121"/>
+            </a:xfrm>
+            <a:custGeom>
+              <a:avLst/>
+              <a:gdLst>
+                <a:gd name="connsiteX0" fmla="*/ 0 w 1845032"/>
+                <a:gd name="connsiteY0" fmla="*/ 0 h 5271247"/>
+                <a:gd name="connsiteX1" fmla="*/ 499462 w 1845032"/>
+                <a:gd name="connsiteY1" fmla="*/ 1337022 h 5271247"/>
+                <a:gd name="connsiteX2" fmla="*/ 1844168 w 1845032"/>
+                <a:gd name="connsiteY2" fmla="*/ 2627939 h 5271247"/>
+                <a:gd name="connsiteX3" fmla="*/ 660827 w 1845032"/>
+                <a:gd name="connsiteY3" fmla="*/ 5271247 h 5271247"/>
+              </a:gdLst>
+              <a:ahLst/>
+              <a:cxnLst>
+                <a:cxn ang="0">
+                  <a:pos x="connsiteX0" y="connsiteY0"/>
+                </a:cxn>
+                <a:cxn ang="0">
+                  <a:pos x="connsiteX1" y="connsiteY1"/>
+                </a:cxn>
+                <a:cxn ang="0">
+                  <a:pos x="connsiteX2" y="connsiteY2"/>
+                </a:cxn>
+                <a:cxn ang="0">
+                  <a:pos x="connsiteX3" y="connsiteY3"/>
+                </a:cxn>
+              </a:cxnLst>
+              <a:rect l="l" t="t" r="r" b="b"/>
+              <a:pathLst>
+                <a:path w="1845032" h="5271247">
+                  <a:moveTo>
+                    <a:pt x="0" y="0"/>
+                  </a:moveTo>
+                  <a:cubicBezTo>
+                    <a:pt x="96050" y="449516"/>
+                    <a:pt x="192101" y="899032"/>
+                    <a:pt x="499462" y="1337022"/>
+                  </a:cubicBezTo>
+                  <a:cubicBezTo>
+                    <a:pt x="806823" y="1775012"/>
+                    <a:pt x="1817274" y="1972235"/>
+                    <a:pt x="1844168" y="2627939"/>
+                  </a:cubicBezTo>
+                  <a:cubicBezTo>
+                    <a:pt x="1871062" y="3283643"/>
+                    <a:pt x="1265944" y="4277445"/>
+                    <a:pt x="660827" y="5271247"/>
+                  </a:cubicBezTo>
+                </a:path>
+              </a:pathLst>
+            </a:custGeom>
+            <a:noFill/>
+          </p:spPr>
+          <p:style>
+            <a:lnRef idx="2">
+              <a:schemeClr val="accent1">
+                <a:shade val="50000"/>
+              </a:schemeClr>
+            </a:lnRef>
+            <a:fillRef idx="1">
+              <a:schemeClr val="accent1"/>
+            </a:fillRef>
+            <a:effectRef idx="0">
+              <a:schemeClr val="accent1"/>
+            </a:effectRef>
+            <a:fontRef idx="minor">
+              <a:schemeClr val="lt1"/>
+            </a:fontRef>
+          </p:style>
+          <p:txBody>
+            <a:bodyPr rtlCol="0" anchor="ctr"/>
+            <a:lstStyle/>
+            <a:p>
+              <a:pPr algn="ctr"/>
+              <a:endParaRPr lang="en-US"/>
+            </a:p>
+          </p:txBody>
+        </p:sp>
         <p:cxnSp>
           <p:nvCxnSpPr>
-            <p:cNvPr id="51" name="Straight Connector 50"/>
+            <p:cNvPr id="42" name="Straight Arrow Connector 41"/>
             <p:cNvCxnSpPr/>
             <p:nvPr/>
           </p:nvCxnSpPr>
           <p:spPr>
-            <a:xfrm>
-              <a:off x="1924448" y="990600"/>
-              <a:ext cx="159444" cy="0"/>
+            <a:xfrm flipH="1">
+              <a:off x="4545746" y="2780363"/>
+              <a:ext cx="1752600" cy="284491"/>
             </a:xfrm>
-            <a:prstGeom prst="line">
+            <a:prstGeom prst="straightConnector1">
               <a:avLst/>
             </a:prstGeom>
+            <a:ln>
+              <a:prstDash val="lgDashDot"/>
+              <a:tailEnd type="triangle"/>
+            </a:ln>
           </p:spPr>
           <p:style>
-            <a:lnRef idx="2">
-              <a:schemeClr val="accent2"/>
-            </a:lnRef>
-            <a:fillRef idx="0">
-              <a:schemeClr val="accent2"/>
-            </a:fillRef>
-            <a:effectRef idx="1">
-              <a:schemeClr val="accent2"/>
-            </a:effectRef>
-            <a:fontRef idx="minor">
-              <a:schemeClr val="tx1"/>
-            </a:fontRef>
-          </p:style>
-        </p:cxnSp>
-      </p:grpSp>
-      <p:grpSp>
-        <p:nvGrpSpPr>
-          <p:cNvPr id="19" name="Group 18"/>
-          <p:cNvGrpSpPr/>
-          <p:nvPr/>
-        </p:nvGrpSpPr>
-        <p:grpSpPr>
-          <a:xfrm>
-            <a:off x="1600200" y="642257"/>
-            <a:ext cx="159444" cy="457200"/>
-            <a:chOff x="1524614" y="642257"/>
-            <a:chExt cx="159444" cy="457200"/>
-          </a:xfrm>
-        </p:grpSpPr>
-        <p:cxnSp>
-          <p:nvCxnSpPr>
-            <p:cNvPr id="54" name="Straight Connector 53"/>
-            <p:cNvCxnSpPr/>
-            <p:nvPr/>
-          </p:nvCxnSpPr>
-          <p:spPr>
-            <a:xfrm>
-              <a:off x="1524614" y="642257"/>
-              <a:ext cx="0" cy="457200"/>
-            </a:xfrm>
-            <a:prstGeom prst="line">
-              <a:avLst/>
-            </a:prstGeom>
-          </p:spPr>
-          <p:style>
-            <a:lnRef idx="2">
-              <a:schemeClr val="accent1"/>
-            </a:lnRef>
-            <a:fillRef idx="0">
-              <a:schemeClr val="accent1"/>
-            </a:fillRef>
-            <a:effectRef idx="1">
-              <a:schemeClr val="accent1"/>
-            </a:effectRef>
-            <a:fontRef idx="minor">
-              <a:schemeClr val="tx1"/>
-            </a:fontRef>
-          </p:style>
-        </p:cxnSp>
-        <p:cxnSp>
-          <p:nvCxnSpPr>
-            <p:cNvPr id="55" name="Straight Connector 54"/>
-            <p:cNvCxnSpPr/>
-            <p:nvPr/>
-          </p:nvCxnSpPr>
-          <p:spPr>
-            <a:xfrm>
-              <a:off x="1684058" y="642257"/>
-              <a:ext cx="0" cy="457200"/>
-            </a:xfrm>
-            <a:prstGeom prst="line">
-              <a:avLst/>
-            </a:prstGeom>
-          </p:spPr>
-          <p:style>
-            <a:lnRef idx="2">
-              <a:schemeClr val="accent1"/>
-            </a:lnRef>
-            <a:fillRef idx="0">
-              <a:schemeClr val="accent1"/>
-            </a:fillRef>
-            <a:effectRef idx="1">
-              <a:schemeClr val="accent1"/>
-            </a:effectRef>
-            <a:fontRef idx="minor">
-              <a:schemeClr val="tx1"/>
-            </a:fontRef>
-          </p:style>
-        </p:cxnSp>
-        <p:cxnSp>
-          <p:nvCxnSpPr>
-            <p:cNvPr id="56" name="Straight Connector 55"/>
-            <p:cNvCxnSpPr/>
-            <p:nvPr/>
-          </p:nvCxnSpPr>
-          <p:spPr>
-            <a:xfrm>
-              <a:off x="1524614" y="1099457"/>
-              <a:ext cx="159444" cy="0"/>
-            </a:xfrm>
-            <a:prstGeom prst="line">
-              <a:avLst/>
-            </a:prstGeom>
-          </p:spPr>
-          <p:style>
-            <a:lnRef idx="2">
-              <a:schemeClr val="accent1"/>
-            </a:lnRef>
-            <a:fillRef idx="0">
-              <a:schemeClr val="accent1"/>
-            </a:fillRef>
-            <a:effectRef idx="1">
-              <a:schemeClr val="accent1"/>
-            </a:effectRef>
-            <a:fontRef idx="minor">
-              <a:schemeClr val="tx1"/>
-            </a:fontRef>
-          </p:style>
-        </p:cxnSp>
-        <p:cxnSp>
-          <p:nvCxnSpPr>
-            <p:cNvPr id="57" name="Straight Connector 56"/>
-            <p:cNvCxnSpPr/>
-            <p:nvPr/>
-          </p:nvCxnSpPr>
-          <p:spPr>
-            <a:xfrm>
-              <a:off x="1524614" y="762000"/>
-              <a:ext cx="159444" cy="0"/>
-            </a:xfrm>
-            <a:prstGeom prst="line">
-              <a:avLst/>
-            </a:prstGeom>
-          </p:spPr>
-          <p:style>
-            <a:lnRef idx="2">
-              <a:schemeClr val="accent1"/>
-            </a:lnRef>
-            <a:fillRef idx="0">
-              <a:schemeClr val="accent1"/>
-            </a:fillRef>
-            <a:effectRef idx="1">
-              <a:schemeClr val="accent1"/>
-            </a:effectRef>
-            <a:fontRef idx="minor">
-              <a:schemeClr val="tx1"/>
-            </a:fontRef>
-          </p:style>
-        </p:cxnSp>
-      </p:grpSp>
-      <p:grpSp>
-        <p:nvGrpSpPr>
-          <p:cNvPr id="23" name="Group 22"/>
-          <p:cNvGrpSpPr/>
-          <p:nvPr/>
-        </p:nvGrpSpPr>
-        <p:grpSpPr>
-          <a:xfrm>
-            <a:off x="6471163" y="642257"/>
-            <a:ext cx="159444" cy="457200"/>
-            <a:chOff x="6196923" y="642257"/>
-            <a:chExt cx="159444" cy="457200"/>
-          </a:xfrm>
-        </p:grpSpPr>
-        <p:cxnSp>
-          <p:nvCxnSpPr>
-            <p:cNvPr id="58" name="Straight Connector 57"/>
-            <p:cNvCxnSpPr/>
-            <p:nvPr/>
-          </p:nvCxnSpPr>
-          <p:spPr>
-            <a:xfrm>
-              <a:off x="6196923" y="642257"/>
-              <a:ext cx="0" cy="457200"/>
-            </a:xfrm>
-            <a:prstGeom prst="line">
-              <a:avLst/>
-            </a:prstGeom>
-          </p:spPr>
-          <p:style>
-            <a:lnRef idx="2">
-              <a:schemeClr val="accent4"/>
-            </a:lnRef>
-            <a:fillRef idx="0">
-              <a:schemeClr val="accent4"/>
-            </a:fillRef>
-            <a:effectRef idx="1">
-              <a:schemeClr val="accent4"/>
-            </a:effectRef>
-            <a:fontRef idx="minor">
-              <a:schemeClr val="tx1"/>
-            </a:fontRef>
-          </p:style>
-        </p:cxnSp>
-        <p:cxnSp>
-          <p:nvCxnSpPr>
-            <p:cNvPr id="59" name="Straight Connector 58"/>
-            <p:cNvCxnSpPr/>
-            <p:nvPr/>
-          </p:nvCxnSpPr>
-          <p:spPr>
-            <a:xfrm>
-              <a:off x="6356367" y="642257"/>
-              <a:ext cx="0" cy="457200"/>
-            </a:xfrm>
-            <a:prstGeom prst="line">
-              <a:avLst/>
-            </a:prstGeom>
-          </p:spPr>
-          <p:style>
-            <a:lnRef idx="2">
-              <a:schemeClr val="accent4"/>
-            </a:lnRef>
-            <a:fillRef idx="0">
-              <a:schemeClr val="accent4"/>
-            </a:fillRef>
-            <a:effectRef idx="1">
-              <a:schemeClr val="accent4"/>
-            </a:effectRef>
-            <a:fontRef idx="minor">
-              <a:schemeClr val="tx1"/>
-            </a:fontRef>
-          </p:style>
-        </p:cxnSp>
-        <p:cxnSp>
-          <p:nvCxnSpPr>
-            <p:cNvPr id="60" name="Straight Connector 59"/>
-            <p:cNvCxnSpPr/>
-            <p:nvPr/>
-          </p:nvCxnSpPr>
-          <p:spPr>
-            <a:xfrm>
-              <a:off x="6196923" y="1099457"/>
-              <a:ext cx="159444" cy="0"/>
-            </a:xfrm>
-            <a:prstGeom prst="line">
-              <a:avLst/>
-            </a:prstGeom>
-          </p:spPr>
-          <p:style>
-            <a:lnRef idx="2">
-              <a:schemeClr val="accent4"/>
-            </a:lnRef>
-            <a:fillRef idx="0">
-              <a:schemeClr val="accent4"/>
-            </a:fillRef>
-            <a:effectRef idx="1">
-              <a:schemeClr val="accent4"/>
-            </a:effectRef>
-            <a:fontRef idx="minor">
-              <a:schemeClr val="tx1"/>
-            </a:fontRef>
-          </p:style>
-        </p:cxnSp>
-        <p:cxnSp>
-          <p:nvCxnSpPr>
-            <p:cNvPr id="63" name="Straight Connector 62"/>
-            <p:cNvCxnSpPr/>
-            <p:nvPr/>
-          </p:nvCxnSpPr>
-          <p:spPr>
-            <a:xfrm>
-              <a:off x="6196923" y="990600"/>
-              <a:ext cx="159444" cy="0"/>
-            </a:xfrm>
-            <a:prstGeom prst="line">
-              <a:avLst/>
-            </a:prstGeom>
-          </p:spPr>
-          <p:style>
-            <a:lnRef idx="2">
-              <a:schemeClr val="accent4"/>
-            </a:lnRef>
-            <a:fillRef idx="0">
-              <a:schemeClr val="accent4"/>
-            </a:fillRef>
-            <a:effectRef idx="1">
-              <a:schemeClr val="accent4"/>
-            </a:effectRef>
-            <a:fontRef idx="minor">
-              <a:schemeClr val="tx1"/>
-            </a:fontRef>
-          </p:style>
-        </p:cxnSp>
-      </p:grpSp>
-      <p:grpSp>
-        <p:nvGrpSpPr>
-          <p:cNvPr id="24" name="Group 23"/>
-          <p:cNvGrpSpPr/>
-          <p:nvPr/>
-        </p:nvGrpSpPr>
-        <p:grpSpPr>
-          <a:xfrm>
-            <a:off x="6857316" y="657255"/>
-            <a:ext cx="159444" cy="457200"/>
-            <a:chOff x="6546156" y="642257"/>
-            <a:chExt cx="159444" cy="457200"/>
-          </a:xfrm>
-        </p:grpSpPr>
-        <p:cxnSp>
-          <p:nvCxnSpPr>
-            <p:cNvPr id="65" name="Straight Connector 64"/>
-            <p:cNvCxnSpPr/>
-            <p:nvPr/>
-          </p:nvCxnSpPr>
-          <p:spPr>
-            <a:xfrm>
-              <a:off x="6546156" y="642257"/>
-              <a:ext cx="0" cy="457200"/>
-            </a:xfrm>
-            <a:prstGeom prst="line">
-              <a:avLst/>
-            </a:prstGeom>
-          </p:spPr>
-          <p:style>
-            <a:lnRef idx="2">
+            <a:lnRef idx="1">
               <a:schemeClr val="accent6"/>
             </a:lnRef>
             <a:fillRef idx="0">
               <a:schemeClr val="accent6"/>
             </a:fillRef>
-            <a:effectRef idx="1">
+            <a:effectRef idx="0">
               <a:schemeClr val="accent6"/>
             </a:effectRef>
             <a:fontRef idx="minor">
@@ -4535,27 +3688,31 @@
         </p:cxnSp>
         <p:cxnSp>
           <p:nvCxnSpPr>
-            <p:cNvPr id="67" name="Straight Connector 66"/>
+            <p:cNvPr id="44" name="Straight Arrow Connector 43"/>
             <p:cNvCxnSpPr/>
             <p:nvPr/>
           </p:nvCxnSpPr>
           <p:spPr>
-            <a:xfrm>
-              <a:off x="6705600" y="642257"/>
-              <a:ext cx="0" cy="457200"/>
+            <a:xfrm flipH="1">
+              <a:off x="3429000" y="3020220"/>
+              <a:ext cx="3048001" cy="1856580"/>
             </a:xfrm>
-            <a:prstGeom prst="line">
+            <a:prstGeom prst="straightConnector1">
               <a:avLst/>
             </a:prstGeom>
+            <a:ln>
+              <a:prstDash val="lgDashDot"/>
+              <a:tailEnd type="triangle"/>
+            </a:ln>
           </p:spPr>
           <p:style>
-            <a:lnRef idx="2">
+            <a:lnRef idx="1">
               <a:schemeClr val="accent6"/>
             </a:lnRef>
             <a:fillRef idx="0">
               <a:schemeClr val="accent6"/>
             </a:fillRef>
-            <a:effectRef idx="1">
+            <a:effectRef idx="0">
               <a:schemeClr val="accent6"/>
             </a:effectRef>
             <a:fontRef idx="minor">
@@ -4565,27 +3722,31 @@
         </p:cxnSp>
         <p:cxnSp>
           <p:nvCxnSpPr>
-            <p:cNvPr id="68" name="Straight Connector 67"/>
+            <p:cNvPr id="46" name="Straight Arrow Connector 45"/>
             <p:cNvCxnSpPr/>
             <p:nvPr/>
           </p:nvCxnSpPr>
           <p:spPr>
-            <a:xfrm>
-              <a:off x="6546156" y="1099457"/>
-              <a:ext cx="159444" cy="0"/>
+            <a:xfrm flipH="1">
+              <a:off x="1779244" y="2921700"/>
+              <a:ext cx="4572000" cy="1600200"/>
             </a:xfrm>
-            <a:prstGeom prst="line">
+            <a:prstGeom prst="straightConnector1">
               <a:avLst/>
             </a:prstGeom>
+            <a:ln>
+              <a:prstDash val="lgDashDot"/>
+              <a:tailEnd type="triangle"/>
+            </a:ln>
           </p:spPr>
           <p:style>
-            <a:lnRef idx="2">
+            <a:lnRef idx="1">
               <a:schemeClr val="accent6"/>
             </a:lnRef>
             <a:fillRef idx="0">
               <a:schemeClr val="accent6"/>
             </a:fillRef>
-            <a:effectRef idx="1">
+            <a:effectRef idx="0">
               <a:schemeClr val="accent6"/>
             </a:effectRef>
             <a:fontRef idx="minor">
@@ -4595,73 +3756,32 @@
         </p:cxnSp>
         <p:cxnSp>
           <p:nvCxnSpPr>
-            <p:cNvPr id="69" name="Straight Connector 68"/>
+            <p:cNvPr id="48" name="Straight Arrow Connector 47"/>
             <p:cNvCxnSpPr/>
             <p:nvPr/>
           </p:nvCxnSpPr>
           <p:spPr>
-            <a:xfrm>
-              <a:off x="6546156" y="762000"/>
-              <a:ext cx="159444" cy="0"/>
+            <a:xfrm flipV="1">
+              <a:off x="2628900" y="1600200"/>
+              <a:ext cx="1380054" cy="948232"/>
             </a:xfrm>
-            <a:prstGeom prst="line">
+            <a:prstGeom prst="straightConnector1">
               <a:avLst/>
             </a:prstGeom>
+            <a:ln>
+              <a:prstDash val="lgDashDot"/>
+              <a:tailEnd type="triangle"/>
+            </a:ln>
           </p:spPr>
           <p:style>
-            <a:lnRef idx="2">
+            <a:lnRef idx="1">
               <a:schemeClr val="accent6"/>
             </a:lnRef>
             <a:fillRef idx="0">
               <a:schemeClr val="accent6"/>
             </a:fillRef>
-            <a:effectRef idx="1">
+            <a:effectRef idx="0">
               <a:schemeClr val="accent6"/>
-            </a:effectRef>
-            <a:fontRef idx="minor">
-              <a:schemeClr val="tx1"/>
-            </a:fontRef>
-          </p:style>
-        </p:cxnSp>
-      </p:grpSp>
-      <p:grpSp>
-        <p:nvGrpSpPr>
-          <p:cNvPr id="26" name="Group 25"/>
-          <p:cNvGrpSpPr/>
-          <p:nvPr/>
-        </p:nvGrpSpPr>
-        <p:grpSpPr>
-          <a:xfrm>
-            <a:off x="7234984" y="657673"/>
-            <a:ext cx="159444" cy="457200"/>
-            <a:chOff x="6801248" y="642257"/>
-            <a:chExt cx="159444" cy="457200"/>
-          </a:xfrm>
-        </p:grpSpPr>
-        <p:cxnSp>
-          <p:nvCxnSpPr>
-            <p:cNvPr id="70" name="Straight Connector 69"/>
-            <p:cNvCxnSpPr/>
-            <p:nvPr/>
-          </p:nvCxnSpPr>
-          <p:spPr>
-            <a:xfrm>
-              <a:off x="6801248" y="642257"/>
-              <a:ext cx="0" cy="457200"/>
-            </a:xfrm>
-            <a:prstGeom prst="line">
-              <a:avLst/>
-            </a:prstGeom>
-          </p:spPr>
-          <p:style>
-            <a:lnRef idx="2">
-              <a:schemeClr val="accent5"/>
-            </a:lnRef>
-            <a:fillRef idx="0">
-              <a:schemeClr val="accent5"/>
-            </a:fillRef>
-            <a:effectRef idx="1">
-              <a:schemeClr val="accent5"/>
             </a:effectRef>
             <a:fontRef idx="minor">
               <a:schemeClr val="tx1"/>
@@ -4670,28 +3790,32 @@
         </p:cxnSp>
         <p:cxnSp>
           <p:nvCxnSpPr>
-            <p:cNvPr id="71" name="Straight Connector 70"/>
+            <p:cNvPr id="52" name="Straight Arrow Connector 51"/>
             <p:cNvCxnSpPr/>
             <p:nvPr/>
           </p:nvCxnSpPr>
           <p:spPr>
             <a:xfrm>
-              <a:off x="6960692" y="642257"/>
-              <a:ext cx="0" cy="457200"/>
+              <a:off x="2700873" y="2899224"/>
+              <a:ext cx="4919127" cy="1722876"/>
             </a:xfrm>
-            <a:prstGeom prst="line">
+            <a:prstGeom prst="straightConnector1">
               <a:avLst/>
             </a:prstGeom>
+            <a:ln>
+              <a:prstDash val="lgDashDot"/>
+              <a:tailEnd type="triangle"/>
+            </a:ln>
           </p:spPr>
           <p:style>
-            <a:lnRef idx="2">
-              <a:schemeClr val="accent5"/>
+            <a:lnRef idx="1">
+              <a:schemeClr val="accent6"/>
             </a:lnRef>
             <a:fillRef idx="0">
-              <a:schemeClr val="accent5"/>
+              <a:schemeClr val="accent6"/>
             </a:fillRef>
-            <a:effectRef idx="1">
-              <a:schemeClr val="accent5"/>
+            <a:effectRef idx="0">
+              <a:schemeClr val="accent6"/>
             </a:effectRef>
             <a:fontRef idx="minor">
               <a:schemeClr val="tx1"/>
@@ -4700,28 +3824,32 @@
         </p:cxnSp>
         <p:cxnSp>
           <p:nvCxnSpPr>
-            <p:cNvPr id="72" name="Straight Connector 71"/>
+            <p:cNvPr id="53" name="Straight Arrow Connector 52"/>
             <p:cNvCxnSpPr/>
             <p:nvPr/>
           </p:nvCxnSpPr>
           <p:spPr>
             <a:xfrm>
-              <a:off x="6801248" y="1099457"/>
-              <a:ext cx="159444" cy="0"/>
+              <a:off x="2625165" y="3040477"/>
+              <a:ext cx="2937435" cy="2217323"/>
             </a:xfrm>
-            <a:prstGeom prst="line">
+            <a:prstGeom prst="straightConnector1">
               <a:avLst/>
             </a:prstGeom>
+            <a:ln>
+              <a:prstDash val="lgDashDot"/>
+              <a:tailEnd type="triangle"/>
+            </a:ln>
           </p:spPr>
           <p:style>
-            <a:lnRef idx="2">
-              <a:schemeClr val="accent5"/>
+            <a:lnRef idx="1">
+              <a:schemeClr val="accent6"/>
             </a:lnRef>
             <a:fillRef idx="0">
-              <a:schemeClr val="accent5"/>
+              <a:schemeClr val="accent6"/>
             </a:fillRef>
-            <a:effectRef idx="1">
-              <a:schemeClr val="accent5"/>
+            <a:effectRef idx="0">
+              <a:schemeClr val="accent6"/>
             </a:effectRef>
             <a:fontRef idx="minor">
               <a:schemeClr val="tx1"/>
@@ -4730,1259 +3858,2174 @@
         </p:cxnSp>
         <p:cxnSp>
           <p:nvCxnSpPr>
-            <p:cNvPr id="73" name="Straight Connector 72"/>
+            <p:cNvPr id="61" name="Straight Connector 60"/>
             <p:cNvCxnSpPr/>
             <p:nvPr/>
           </p:nvCxnSpPr>
           <p:spPr>
             <a:xfrm>
-              <a:off x="6801248" y="914400"/>
-              <a:ext cx="159444" cy="0"/>
+              <a:off x="6215875" y="5217821"/>
+              <a:ext cx="427425" cy="0"/>
             </a:xfrm>
             <a:prstGeom prst="line">
               <a:avLst/>
             </a:prstGeom>
           </p:spPr>
           <p:style>
-            <a:lnRef idx="2">
-              <a:schemeClr val="accent5"/>
+            <a:lnRef idx="1">
+              <a:schemeClr val="accent3"/>
             </a:lnRef>
             <a:fillRef idx="0">
-              <a:schemeClr val="accent5"/>
+              <a:schemeClr val="accent3"/>
             </a:fillRef>
-            <a:effectRef idx="1">
-              <a:schemeClr val="accent5"/>
+            <a:effectRef idx="0">
+              <a:schemeClr val="accent3"/>
             </a:effectRef>
             <a:fontRef idx="minor">
               <a:schemeClr val="tx1"/>
             </a:fontRef>
           </p:style>
         </p:cxnSp>
-      </p:grpSp>
-      <mc:AlternateContent xmlns:mc="http://schemas.openxmlformats.org/markup-compatibility/2006">
-        <mc:Choice xmlns:a14="http://schemas.microsoft.com/office/drawing/2010/main" Requires="a14">
-          <p:sp>
-            <p:nvSpPr>
-              <p:cNvPr id="28" name="TextBox 27"/>
-              <p:cNvSpPr txBox="1"/>
+        <p:cxnSp>
+          <p:nvCxnSpPr>
+            <p:cNvPr id="64" name="Straight Connector 63"/>
+            <p:cNvCxnSpPr/>
+            <p:nvPr/>
+          </p:nvCxnSpPr>
+          <p:spPr>
+            <a:xfrm>
+              <a:off x="6215875" y="5511095"/>
+              <a:ext cx="427425" cy="0"/>
+            </a:xfrm>
+            <a:prstGeom prst="line">
+              <a:avLst/>
+            </a:prstGeom>
+            <a:ln>
+              <a:prstDash val="lgDashDot"/>
+            </a:ln>
+          </p:spPr>
+          <p:style>
+            <a:lnRef idx="1">
+              <a:schemeClr val="accent6"/>
+            </a:lnRef>
+            <a:fillRef idx="0">
+              <a:schemeClr val="accent6"/>
+            </a:fillRef>
+            <a:effectRef idx="0">
+              <a:schemeClr val="accent6"/>
+            </a:effectRef>
+            <a:fontRef idx="minor">
+              <a:schemeClr val="tx1"/>
+            </a:fontRef>
+          </p:style>
+        </p:cxnSp>
+        <p:sp>
+          <p:nvSpPr>
+            <p:cNvPr id="62" name="TextBox 61"/>
+            <p:cNvSpPr txBox="1"/>
+            <p:nvPr/>
+          </p:nvSpPr>
+          <p:spPr>
+            <a:xfrm>
+              <a:off x="6658978" y="5395679"/>
+              <a:ext cx="1063112" cy="230832"/>
+            </a:xfrm>
+            <a:prstGeom prst="rect">
+              <a:avLst/>
+            </a:prstGeom>
+            <a:noFill/>
+          </p:spPr>
+          <p:txBody>
+            <a:bodyPr wrap="none" rtlCol="0">
+              <a:spAutoFit/>
+            </a:bodyPr>
+            <a:lstStyle/>
+            <a:p>
+              <a:r>
+                <a:rPr lang="en-US" sz="900" dirty="0" smtClean="0"/>
+                <a:t>Interference signal</a:t>
+              </a:r>
+              <a:endParaRPr lang="en-US" sz="900" dirty="0"/>
+            </a:p>
+          </p:txBody>
+        </p:sp>
+        <p:sp>
+          <p:nvSpPr>
+            <p:cNvPr id="66" name="TextBox 65"/>
+            <p:cNvSpPr txBox="1"/>
+            <p:nvPr/>
+          </p:nvSpPr>
+          <p:spPr>
+            <a:xfrm>
+              <a:off x="6658978" y="5102405"/>
+              <a:ext cx="838691" cy="230832"/>
+            </a:xfrm>
+            <a:prstGeom prst="rect">
+              <a:avLst/>
+            </a:prstGeom>
+            <a:noFill/>
+          </p:spPr>
+          <p:txBody>
+            <a:bodyPr wrap="none" rtlCol="0">
+              <a:spAutoFit/>
+            </a:bodyPr>
+            <a:lstStyle/>
+            <a:p>
+              <a:r>
+                <a:rPr lang="en-US" sz="900" dirty="0" smtClean="0"/>
+                <a:t>Desired signal</a:t>
+              </a:r>
+              <a:endParaRPr lang="en-US" sz="900" dirty="0"/>
+            </a:p>
+          </p:txBody>
+        </p:sp>
+        <p:grpSp>
+          <p:nvGrpSpPr>
+            <p:cNvPr id="21" name="Group 20"/>
+            <p:cNvGrpSpPr/>
+            <p:nvPr/>
+          </p:nvGrpSpPr>
+          <p:grpSpPr>
+            <a:xfrm>
+              <a:off x="2354542" y="642257"/>
+              <a:ext cx="159444" cy="457200"/>
+              <a:chOff x="2278956" y="642257"/>
+              <a:chExt cx="159444" cy="457200"/>
+            </a:xfrm>
+          </p:grpSpPr>
+          <p:cxnSp>
+            <p:nvCxnSpPr>
+              <p:cNvPr id="40" name="Straight Connector 39"/>
+              <p:cNvCxnSpPr/>
               <p:nvPr/>
-            </p:nvSpPr>
+            </p:nvCxnSpPr>
             <p:spPr>
               <a:xfrm>
-                <a:off x="1444014" y="457618"/>
-                <a:ext cx="303738" cy="200055"/>
+                <a:off x="2278956" y="642257"/>
+                <a:ext cx="0" cy="457200"/>
               </a:xfrm>
-              <a:prstGeom prst="rect">
+              <a:prstGeom prst="line">
                 <a:avLst/>
               </a:prstGeom>
-              <a:noFill/>
             </p:spPr>
-            <p:txBody>
-              <a:bodyPr wrap="none" rtlCol="0">
-                <a:spAutoFit/>
-              </a:bodyPr>
-              <a:lstStyle/>
-              <a:p>
-                <a14:m>
-                  <m:oMathPara xmlns:m="http://schemas.openxmlformats.org/officeDocument/2006/math">
-                    <m:oMathParaPr>
-                      <m:jc m:val="centerGroup"/>
-                    </m:oMathParaPr>
-                    <m:oMath xmlns:m="http://schemas.openxmlformats.org/officeDocument/2006/math">
-                      <m:sSub>
-                        <m:sSubPr>
-                          <m:ctrlPr>
-                            <a:rPr lang="en-US" sz="700" b="0" i="1" smtClean="0">
-                              <a:latin typeface="Cambria Math"/>
-                            </a:rPr>
-                          </m:ctrlPr>
-                        </m:sSubPr>
-                        <m:e>
-                          <m:r>
-                            <a:rPr lang="en-US" sz="700" b="0" i="1" smtClean="0">
-                              <a:latin typeface="Cambria Math"/>
-                            </a:rPr>
-                            <m:t>𝑄</m:t>
-                          </m:r>
-                        </m:e>
-                        <m:sub>
-                          <m:r>
-                            <a:rPr lang="en-US" sz="700" b="0" i="1" smtClean="0">
-                              <a:latin typeface="Cambria Math"/>
-                            </a:rPr>
-                            <m:t>1</m:t>
-                          </m:r>
-                        </m:sub>
-                      </m:sSub>
-                    </m:oMath>
-                  </m:oMathPara>
-                </a14:m>
-                <a:endParaRPr lang="en-US" sz="700" dirty="0"/>
-              </a:p>
-            </p:txBody>
-          </p:sp>
-        </mc:Choice>
-        <mc:Fallback>
-          <p:sp>
-            <p:nvSpPr>
-              <p:cNvPr id="28" name="TextBox 27"/>
-              <p:cNvSpPr txBox="1">
-                <a:spLocks noRot="1" noChangeAspect="1" noMove="1" noResize="1" noEditPoints="1" noAdjustHandles="1" noChangeArrowheads="1" noChangeShapeType="1" noTextEdit="1"/>
-              </p:cNvSpPr>
+            <p:style>
+              <a:lnRef idx="2">
+                <a:schemeClr val="accent3"/>
+              </a:lnRef>
+              <a:fillRef idx="0">
+                <a:schemeClr val="accent3"/>
+              </a:fillRef>
+              <a:effectRef idx="1">
+                <a:schemeClr val="accent3"/>
+              </a:effectRef>
+              <a:fontRef idx="minor">
+                <a:schemeClr val="tx1"/>
+              </a:fontRef>
+            </p:style>
+          </p:cxnSp>
+          <p:cxnSp>
+            <p:nvCxnSpPr>
+              <p:cNvPr id="41" name="Straight Connector 40"/>
+              <p:cNvCxnSpPr/>
               <p:nvPr/>
-            </p:nvSpPr>
+            </p:nvCxnSpPr>
             <p:spPr>
               <a:xfrm>
-                <a:off x="1444014" y="457618"/>
-                <a:ext cx="303738" cy="200055"/>
+                <a:off x="2438400" y="642257"/>
+                <a:ext cx="0" cy="457200"/>
               </a:xfrm>
-              <a:prstGeom prst="rect">
+              <a:prstGeom prst="line">
                 <a:avLst/>
               </a:prstGeom>
-              <a:blipFill rotWithShape="1">
-                <a:blip r:embed="rId6"/>
-                <a:stretch>
-                  <a:fillRect/>
-                </a:stretch>
-              </a:blipFill>
             </p:spPr>
-            <p:txBody>
-              <a:bodyPr/>
-              <a:lstStyle/>
-              <a:p>
-                <a:r>
-                  <a:rPr lang="en-US">
-                    <a:noFill/>
-                  </a:rPr>
-                  <a:t> </a:t>
-                </a:r>
-              </a:p>
-            </p:txBody>
-          </p:sp>
-        </mc:Fallback>
-      </mc:AlternateContent>
-      <mc:AlternateContent xmlns:mc="http://schemas.openxmlformats.org/markup-compatibility/2006">
-        <mc:Choice xmlns:a14="http://schemas.microsoft.com/office/drawing/2010/main" Requires="a14">
-          <p:sp>
-            <p:nvSpPr>
-              <p:cNvPr id="74" name="TextBox 73"/>
-              <p:cNvSpPr txBox="1"/>
+            <p:style>
+              <a:lnRef idx="2">
+                <a:schemeClr val="accent3"/>
+              </a:lnRef>
+              <a:fillRef idx="0">
+                <a:schemeClr val="accent3"/>
+              </a:fillRef>
+              <a:effectRef idx="1">
+                <a:schemeClr val="accent3"/>
+              </a:effectRef>
+              <a:fontRef idx="minor">
+                <a:schemeClr val="tx1"/>
+              </a:fontRef>
+            </p:style>
+          </p:cxnSp>
+          <p:cxnSp>
+            <p:nvCxnSpPr>
+              <p:cNvPr id="43" name="Straight Connector 42"/>
+              <p:cNvCxnSpPr/>
               <p:nvPr/>
-            </p:nvSpPr>
+            </p:nvCxnSpPr>
             <p:spPr>
               <a:xfrm>
-                <a:off x="1825411" y="457617"/>
-                <a:ext cx="303738" cy="200055"/>
+                <a:off x="2278956" y="1099457"/>
+                <a:ext cx="159444" cy="0"/>
               </a:xfrm>
-              <a:prstGeom prst="rect">
+              <a:prstGeom prst="line">
                 <a:avLst/>
               </a:prstGeom>
-              <a:noFill/>
             </p:spPr>
-            <p:txBody>
-              <a:bodyPr wrap="none" rtlCol="0">
-                <a:spAutoFit/>
-              </a:bodyPr>
-              <a:lstStyle/>
-              <a:p>
-                <a14:m>
-                  <m:oMathPara xmlns:m="http://schemas.openxmlformats.org/officeDocument/2006/math">
-                    <m:oMathParaPr>
-                      <m:jc m:val="centerGroup"/>
-                    </m:oMathParaPr>
-                    <m:oMath xmlns:m="http://schemas.openxmlformats.org/officeDocument/2006/math">
-                      <m:sSub>
-                        <m:sSubPr>
-                          <m:ctrlPr>
-                            <a:rPr lang="en-US" sz="700" b="0" i="1" smtClean="0">
-                              <a:latin typeface="Cambria Math"/>
-                            </a:rPr>
-                          </m:ctrlPr>
-                        </m:sSubPr>
-                        <m:e>
-                          <m:r>
-                            <a:rPr lang="en-US" sz="700" b="0" i="1" smtClean="0">
-                              <a:latin typeface="Cambria Math"/>
-                            </a:rPr>
-                            <m:t>𝑄</m:t>
-                          </m:r>
-                        </m:e>
-                        <m:sub>
-                          <m:r>
-                            <a:rPr lang="en-US" sz="700" b="0" i="1" smtClean="0">
-                              <a:latin typeface="Cambria Math"/>
-                            </a:rPr>
-                            <m:t>2</m:t>
-                          </m:r>
-                        </m:sub>
-                      </m:sSub>
-                    </m:oMath>
-                  </m:oMathPara>
-                </a14:m>
-                <a:endParaRPr lang="en-US" sz="700" dirty="0"/>
-              </a:p>
-            </p:txBody>
-          </p:sp>
-        </mc:Choice>
-        <mc:Fallback>
-          <p:sp>
-            <p:nvSpPr>
-              <p:cNvPr id="74" name="TextBox 73"/>
-              <p:cNvSpPr txBox="1">
-                <a:spLocks noRot="1" noChangeAspect="1" noMove="1" noResize="1" noEditPoints="1" noAdjustHandles="1" noChangeArrowheads="1" noChangeShapeType="1" noTextEdit="1"/>
-              </p:cNvSpPr>
+            <p:style>
+              <a:lnRef idx="2">
+                <a:schemeClr val="accent3"/>
+              </a:lnRef>
+              <a:fillRef idx="0">
+                <a:schemeClr val="accent3"/>
+              </a:fillRef>
+              <a:effectRef idx="1">
+                <a:schemeClr val="accent3"/>
+              </a:effectRef>
+              <a:fontRef idx="minor">
+                <a:schemeClr val="tx1"/>
+              </a:fontRef>
+            </p:style>
+          </p:cxnSp>
+          <p:cxnSp>
+            <p:nvCxnSpPr>
+              <p:cNvPr id="45" name="Straight Connector 44"/>
+              <p:cNvCxnSpPr/>
               <p:nvPr/>
-            </p:nvSpPr>
+            </p:nvCxnSpPr>
             <p:spPr>
               <a:xfrm>
-                <a:off x="1825411" y="457617"/>
-                <a:ext cx="303738" cy="200055"/>
+                <a:off x="2278956" y="914400"/>
+                <a:ext cx="159444" cy="0"/>
               </a:xfrm>
-              <a:prstGeom prst="rect">
+              <a:prstGeom prst="line">
                 <a:avLst/>
               </a:prstGeom>
-              <a:blipFill rotWithShape="1">
-                <a:blip r:embed="rId7"/>
-                <a:stretch>
-                  <a:fillRect/>
-                </a:stretch>
-              </a:blipFill>
             </p:spPr>
-            <p:txBody>
-              <a:bodyPr/>
-              <a:lstStyle/>
-              <a:p>
-                <a:r>
-                  <a:rPr lang="en-US">
-                    <a:noFill/>
-                  </a:rPr>
-                  <a:t> </a:t>
-                </a:r>
-              </a:p>
-            </p:txBody>
-          </p:sp>
-        </mc:Fallback>
-      </mc:AlternateContent>
-      <mc:AlternateContent xmlns:mc="http://schemas.openxmlformats.org/markup-compatibility/2006">
-        <mc:Choice xmlns:a14="http://schemas.microsoft.com/office/drawing/2010/main" Requires="a14">
-          <p:sp>
-            <p:nvSpPr>
-              <p:cNvPr id="75" name="TextBox 74"/>
-              <p:cNvSpPr txBox="1"/>
+            <p:style>
+              <a:lnRef idx="2">
+                <a:schemeClr val="accent3"/>
+              </a:lnRef>
+              <a:fillRef idx="0">
+                <a:schemeClr val="accent3"/>
+              </a:fillRef>
+              <a:effectRef idx="1">
+                <a:schemeClr val="accent3"/>
+              </a:effectRef>
+              <a:fontRef idx="minor">
+                <a:schemeClr val="tx1"/>
+              </a:fontRef>
+            </p:style>
+          </p:cxnSp>
+        </p:grpSp>
+        <p:grpSp>
+          <p:nvGrpSpPr>
+            <p:cNvPr id="20" name="Group 19"/>
+            <p:cNvGrpSpPr/>
+            <p:nvPr/>
+          </p:nvGrpSpPr>
+          <p:grpSpPr>
+            <a:xfrm>
+              <a:off x="1977371" y="642257"/>
+              <a:ext cx="159444" cy="457200"/>
+              <a:chOff x="1924448" y="642257"/>
+              <a:chExt cx="159444" cy="457200"/>
+            </a:xfrm>
+          </p:grpSpPr>
+          <p:cxnSp>
+            <p:nvCxnSpPr>
+              <p:cNvPr id="47" name="Straight Connector 46"/>
+              <p:cNvCxnSpPr/>
               <p:nvPr/>
-            </p:nvSpPr>
+            </p:nvCxnSpPr>
             <p:spPr>
               <a:xfrm>
-                <a:off x="2206809" y="457200"/>
-                <a:ext cx="305789" cy="200055"/>
+                <a:off x="1924448" y="642257"/>
+                <a:ext cx="0" cy="457200"/>
               </a:xfrm>
-              <a:prstGeom prst="rect">
+              <a:prstGeom prst="line">
                 <a:avLst/>
               </a:prstGeom>
-              <a:noFill/>
             </p:spPr>
-            <p:txBody>
-              <a:bodyPr wrap="none" rtlCol="0">
-                <a:spAutoFit/>
-              </a:bodyPr>
-              <a:lstStyle/>
-              <a:p>
-                <a14:m>
-                  <m:oMathPara xmlns:m="http://schemas.openxmlformats.org/officeDocument/2006/math">
-                    <m:oMathParaPr>
-                      <m:jc m:val="centerGroup"/>
-                    </m:oMathParaPr>
-                    <m:oMath xmlns:m="http://schemas.openxmlformats.org/officeDocument/2006/math">
-                      <m:sSub>
-                        <m:sSubPr>
-                          <m:ctrlPr>
-                            <a:rPr lang="en-US" sz="700" b="0" i="1" smtClean="0">
-                              <a:latin typeface="Cambria Math"/>
-                            </a:rPr>
-                          </m:ctrlPr>
-                        </m:sSubPr>
-                        <m:e>
-                          <m:r>
-                            <a:rPr lang="en-US" sz="700" b="0" i="1" smtClean="0">
-                              <a:latin typeface="Cambria Math"/>
-                            </a:rPr>
-                            <m:t>𝑄</m:t>
-                          </m:r>
-                        </m:e>
-                        <m:sub>
-                          <m:r>
-                            <a:rPr lang="en-US" sz="700" b="0" i="1" smtClean="0">
-                              <a:latin typeface="Cambria Math"/>
-                            </a:rPr>
-                            <m:t>3</m:t>
-                          </m:r>
-                        </m:sub>
-                      </m:sSub>
-                    </m:oMath>
-                  </m:oMathPara>
-                </a14:m>
-                <a:endParaRPr lang="en-US" sz="700" dirty="0"/>
-              </a:p>
-            </p:txBody>
-          </p:sp>
-        </mc:Choice>
-        <mc:Fallback>
-          <p:sp>
-            <p:nvSpPr>
-              <p:cNvPr id="75" name="TextBox 74"/>
-              <p:cNvSpPr txBox="1">
-                <a:spLocks noRot="1" noChangeAspect="1" noMove="1" noResize="1" noEditPoints="1" noAdjustHandles="1" noChangeArrowheads="1" noChangeShapeType="1" noTextEdit="1"/>
-              </p:cNvSpPr>
+            <p:style>
+              <a:lnRef idx="2">
+                <a:schemeClr val="accent2"/>
+              </a:lnRef>
+              <a:fillRef idx="0">
+                <a:schemeClr val="accent2"/>
+              </a:fillRef>
+              <a:effectRef idx="1">
+                <a:schemeClr val="accent2"/>
+              </a:effectRef>
+              <a:fontRef idx="minor">
+                <a:schemeClr val="tx1"/>
+              </a:fontRef>
+            </p:style>
+          </p:cxnSp>
+          <p:cxnSp>
+            <p:nvCxnSpPr>
+              <p:cNvPr id="49" name="Straight Connector 48"/>
+              <p:cNvCxnSpPr/>
               <p:nvPr/>
-            </p:nvSpPr>
+            </p:nvCxnSpPr>
             <p:spPr>
               <a:xfrm>
-                <a:off x="2206809" y="457200"/>
-                <a:ext cx="305789" cy="200055"/>
+                <a:off x="2083892" y="642257"/>
+                <a:ext cx="0" cy="457200"/>
               </a:xfrm>
-              <a:prstGeom prst="rect">
+              <a:prstGeom prst="line">
                 <a:avLst/>
               </a:prstGeom>
-              <a:blipFill rotWithShape="1">
-                <a:blip r:embed="rId8"/>
-                <a:stretch>
-                  <a:fillRect/>
-                </a:stretch>
-              </a:blipFill>
             </p:spPr>
-            <p:txBody>
-              <a:bodyPr/>
-              <a:lstStyle/>
-              <a:p>
-                <a:r>
-                  <a:rPr lang="en-US">
-                    <a:noFill/>
-                  </a:rPr>
-                  <a:t> </a:t>
-                </a:r>
-              </a:p>
-            </p:txBody>
-          </p:sp>
-        </mc:Fallback>
-      </mc:AlternateContent>
-      <mc:AlternateContent xmlns:mc="http://schemas.openxmlformats.org/markup-compatibility/2006">
-        <mc:Choice xmlns:a14="http://schemas.microsoft.com/office/drawing/2010/main" Requires="a14">
-          <p:sp>
-            <p:nvSpPr>
-              <p:cNvPr id="76" name="TextBox 75"/>
-              <p:cNvSpPr txBox="1"/>
+            <p:style>
+              <a:lnRef idx="2">
+                <a:schemeClr val="accent2"/>
+              </a:lnRef>
+              <a:fillRef idx="0">
+                <a:schemeClr val="accent2"/>
+              </a:fillRef>
+              <a:effectRef idx="1">
+                <a:schemeClr val="accent2"/>
+              </a:effectRef>
+              <a:fontRef idx="minor">
+                <a:schemeClr val="tx1"/>
+              </a:fontRef>
+            </p:style>
+          </p:cxnSp>
+          <p:cxnSp>
+            <p:nvCxnSpPr>
+              <p:cNvPr id="50" name="Straight Connector 49"/>
+              <p:cNvCxnSpPr/>
               <p:nvPr/>
-            </p:nvSpPr>
+            </p:nvCxnSpPr>
             <p:spPr>
               <a:xfrm>
-                <a:off x="6399016" y="449249"/>
-                <a:ext cx="305789" cy="200055"/>
+                <a:off x="1924448" y="1099457"/>
+                <a:ext cx="159444" cy="0"/>
               </a:xfrm>
-              <a:prstGeom prst="rect">
+              <a:prstGeom prst="line">
                 <a:avLst/>
               </a:prstGeom>
-              <a:noFill/>
             </p:spPr>
-            <p:txBody>
-              <a:bodyPr wrap="none" rtlCol="0">
-                <a:spAutoFit/>
-              </a:bodyPr>
-              <a:lstStyle/>
-              <a:p>
-                <a14:m>
-                  <m:oMathPara xmlns:m="http://schemas.openxmlformats.org/officeDocument/2006/math">
-                    <m:oMathParaPr>
-                      <m:jc m:val="centerGroup"/>
-                    </m:oMathParaPr>
-                    <m:oMath xmlns:m="http://schemas.openxmlformats.org/officeDocument/2006/math">
-                      <m:sSub>
-                        <m:sSubPr>
-                          <m:ctrlPr>
-                            <a:rPr lang="en-US" sz="700" b="0" i="1" smtClean="0">
-                              <a:latin typeface="Cambria Math"/>
-                            </a:rPr>
-                          </m:ctrlPr>
-                        </m:sSubPr>
-                        <m:e>
-                          <m:r>
-                            <a:rPr lang="en-US" sz="700" b="0" i="1" smtClean="0">
-                              <a:latin typeface="Cambria Math"/>
-                            </a:rPr>
-                            <m:t>𝑄</m:t>
-                          </m:r>
-                        </m:e>
-                        <m:sub>
-                          <m:r>
-                            <a:rPr lang="en-US" sz="700" b="0" i="1" smtClean="0">
-                              <a:latin typeface="Cambria Math"/>
-                            </a:rPr>
-                            <m:t>4</m:t>
-                          </m:r>
-                        </m:sub>
-                      </m:sSub>
-                    </m:oMath>
-                  </m:oMathPara>
-                </a14:m>
-                <a:endParaRPr lang="en-US" sz="700" dirty="0"/>
-              </a:p>
-            </p:txBody>
-          </p:sp>
-        </mc:Choice>
-        <mc:Fallback>
-          <p:sp>
-            <p:nvSpPr>
-              <p:cNvPr id="76" name="TextBox 75"/>
-              <p:cNvSpPr txBox="1">
-                <a:spLocks noRot="1" noChangeAspect="1" noMove="1" noResize="1" noEditPoints="1" noAdjustHandles="1" noChangeArrowheads="1" noChangeShapeType="1" noTextEdit="1"/>
-              </p:cNvSpPr>
+            <p:style>
+              <a:lnRef idx="2">
+                <a:schemeClr val="accent2"/>
+              </a:lnRef>
+              <a:fillRef idx="0">
+                <a:schemeClr val="accent2"/>
+              </a:fillRef>
+              <a:effectRef idx="1">
+                <a:schemeClr val="accent2"/>
+              </a:effectRef>
+              <a:fontRef idx="minor">
+                <a:schemeClr val="tx1"/>
+              </a:fontRef>
+            </p:style>
+          </p:cxnSp>
+          <p:cxnSp>
+            <p:nvCxnSpPr>
+              <p:cNvPr id="51" name="Straight Connector 50"/>
+              <p:cNvCxnSpPr/>
               <p:nvPr/>
-            </p:nvSpPr>
+            </p:nvCxnSpPr>
             <p:spPr>
               <a:xfrm>
-                <a:off x="6399016" y="449249"/>
-                <a:ext cx="305789" cy="200055"/>
+                <a:off x="1924448" y="990600"/>
+                <a:ext cx="159444" cy="0"/>
               </a:xfrm>
-              <a:prstGeom prst="rect">
+              <a:prstGeom prst="line">
                 <a:avLst/>
               </a:prstGeom>
-              <a:blipFill rotWithShape="1">
-                <a:blip r:embed="rId9"/>
-                <a:stretch>
-                  <a:fillRect/>
-                </a:stretch>
-              </a:blipFill>
             </p:spPr>
-            <p:txBody>
-              <a:bodyPr/>
-              <a:lstStyle/>
-              <a:p>
-                <a:r>
-                  <a:rPr lang="en-US">
-                    <a:noFill/>
-                  </a:rPr>
-                  <a:t> </a:t>
-                </a:r>
-              </a:p>
-            </p:txBody>
-          </p:sp>
-        </mc:Fallback>
-      </mc:AlternateContent>
-      <mc:AlternateContent xmlns:mc="http://schemas.openxmlformats.org/markup-compatibility/2006">
-        <mc:Choice xmlns:a14="http://schemas.microsoft.com/office/drawing/2010/main" Requires="a14">
-          <p:sp>
-            <p:nvSpPr>
-              <p:cNvPr id="77" name="TextBox 76"/>
-              <p:cNvSpPr txBox="1"/>
+            <p:style>
+              <a:lnRef idx="2">
+                <a:schemeClr val="accent2"/>
+              </a:lnRef>
+              <a:fillRef idx="0">
+                <a:schemeClr val="accent2"/>
+              </a:fillRef>
+              <a:effectRef idx="1">
+                <a:schemeClr val="accent2"/>
+              </a:effectRef>
+              <a:fontRef idx="minor">
+                <a:schemeClr val="tx1"/>
+              </a:fontRef>
+            </p:style>
+          </p:cxnSp>
+        </p:grpSp>
+        <p:grpSp>
+          <p:nvGrpSpPr>
+            <p:cNvPr id="19" name="Group 18"/>
+            <p:cNvGrpSpPr/>
+            <p:nvPr/>
+          </p:nvGrpSpPr>
+          <p:grpSpPr>
+            <a:xfrm>
+              <a:off x="1600200" y="642257"/>
+              <a:ext cx="159444" cy="457200"/>
+              <a:chOff x="1524614" y="642257"/>
+              <a:chExt cx="159444" cy="457200"/>
+            </a:xfrm>
+          </p:grpSpPr>
+          <p:cxnSp>
+            <p:nvCxnSpPr>
+              <p:cNvPr id="54" name="Straight Connector 53"/>
+              <p:cNvCxnSpPr/>
               <p:nvPr/>
-            </p:nvSpPr>
+            </p:nvCxnSpPr>
             <p:spPr>
               <a:xfrm>
-                <a:off x="6780413" y="449248"/>
-                <a:ext cx="305789" cy="200055"/>
+                <a:off x="1524614" y="642257"/>
+                <a:ext cx="0" cy="457200"/>
               </a:xfrm>
-              <a:prstGeom prst="rect">
+              <a:prstGeom prst="line">
                 <a:avLst/>
               </a:prstGeom>
-              <a:noFill/>
             </p:spPr>
-            <p:txBody>
-              <a:bodyPr wrap="none" rtlCol="0">
-                <a:spAutoFit/>
-              </a:bodyPr>
-              <a:lstStyle/>
-              <a:p>
-                <a14:m>
-                  <m:oMathPara xmlns:m="http://schemas.openxmlformats.org/officeDocument/2006/math">
-                    <m:oMathParaPr>
-                      <m:jc m:val="centerGroup"/>
-                    </m:oMathParaPr>
-                    <m:oMath xmlns:m="http://schemas.openxmlformats.org/officeDocument/2006/math">
-                      <m:sSub>
-                        <m:sSubPr>
-                          <m:ctrlPr>
-                            <a:rPr lang="en-US" sz="700" b="0" i="1" smtClean="0">
-                              <a:latin typeface="Cambria Math"/>
-                            </a:rPr>
-                          </m:ctrlPr>
-                        </m:sSubPr>
-                        <m:e>
-                          <m:r>
-                            <a:rPr lang="en-US" sz="700" b="0" i="1" smtClean="0">
-                              <a:latin typeface="Cambria Math"/>
-                            </a:rPr>
-                            <m:t>𝑄</m:t>
-                          </m:r>
-                        </m:e>
-                        <m:sub>
-                          <m:r>
-                            <a:rPr lang="en-US" sz="700" b="0" i="1" smtClean="0">
-                              <a:latin typeface="Cambria Math"/>
-                            </a:rPr>
-                            <m:t>5</m:t>
-                          </m:r>
-                        </m:sub>
-                      </m:sSub>
-                    </m:oMath>
-                  </m:oMathPara>
-                </a14:m>
-                <a:endParaRPr lang="en-US" sz="700" dirty="0"/>
-              </a:p>
-            </p:txBody>
-          </p:sp>
-        </mc:Choice>
-        <mc:Fallback>
-          <p:sp>
-            <p:nvSpPr>
-              <p:cNvPr id="77" name="TextBox 76"/>
-              <p:cNvSpPr txBox="1">
-                <a:spLocks noRot="1" noChangeAspect="1" noMove="1" noResize="1" noEditPoints="1" noAdjustHandles="1" noChangeArrowheads="1" noChangeShapeType="1" noTextEdit="1"/>
-              </p:cNvSpPr>
+            <p:style>
+              <a:lnRef idx="2">
+                <a:schemeClr val="accent1"/>
+              </a:lnRef>
+              <a:fillRef idx="0">
+                <a:schemeClr val="accent1"/>
+              </a:fillRef>
+              <a:effectRef idx="1">
+                <a:schemeClr val="accent1"/>
+              </a:effectRef>
+              <a:fontRef idx="minor">
+                <a:schemeClr val="tx1"/>
+              </a:fontRef>
+            </p:style>
+          </p:cxnSp>
+          <p:cxnSp>
+            <p:nvCxnSpPr>
+              <p:cNvPr id="55" name="Straight Connector 54"/>
+              <p:cNvCxnSpPr/>
               <p:nvPr/>
-            </p:nvSpPr>
+            </p:nvCxnSpPr>
             <p:spPr>
               <a:xfrm>
-                <a:off x="6780413" y="449248"/>
-                <a:ext cx="305789" cy="200055"/>
+                <a:off x="1684058" y="642257"/>
+                <a:ext cx="0" cy="457200"/>
               </a:xfrm>
-              <a:prstGeom prst="rect">
+              <a:prstGeom prst="line">
                 <a:avLst/>
               </a:prstGeom>
-              <a:blipFill rotWithShape="1">
-                <a:blip r:embed="rId10"/>
-                <a:stretch>
-                  <a:fillRect/>
-                </a:stretch>
-              </a:blipFill>
             </p:spPr>
-            <p:txBody>
-              <a:bodyPr/>
-              <a:lstStyle/>
-              <a:p>
-                <a:r>
-                  <a:rPr lang="en-US">
-                    <a:noFill/>
-                  </a:rPr>
-                  <a:t> </a:t>
-                </a:r>
-              </a:p>
-            </p:txBody>
-          </p:sp>
-        </mc:Fallback>
-      </mc:AlternateContent>
-      <mc:AlternateContent xmlns:mc="http://schemas.openxmlformats.org/markup-compatibility/2006">
-        <mc:Choice xmlns:a14="http://schemas.microsoft.com/office/drawing/2010/main" Requires="a14">
-          <p:sp>
-            <p:nvSpPr>
-              <p:cNvPr id="78" name="TextBox 77"/>
-              <p:cNvSpPr txBox="1"/>
+            <p:style>
+              <a:lnRef idx="2">
+                <a:schemeClr val="accent1"/>
+              </a:lnRef>
+              <a:fillRef idx="0">
+                <a:schemeClr val="accent1"/>
+              </a:fillRef>
+              <a:effectRef idx="1">
+                <a:schemeClr val="accent1"/>
+              </a:effectRef>
+              <a:fontRef idx="minor">
+                <a:schemeClr val="tx1"/>
+              </a:fontRef>
+            </p:style>
+          </p:cxnSp>
+          <p:cxnSp>
+            <p:nvCxnSpPr>
+              <p:cNvPr id="56" name="Straight Connector 55"/>
+              <p:cNvCxnSpPr/>
               <p:nvPr/>
-            </p:nvSpPr>
+            </p:nvCxnSpPr>
             <p:spPr>
               <a:xfrm>
-                <a:off x="7161811" y="448831"/>
-                <a:ext cx="305789" cy="200055"/>
+                <a:off x="1524614" y="1099457"/>
+                <a:ext cx="159444" cy="0"/>
               </a:xfrm>
-              <a:prstGeom prst="rect">
+              <a:prstGeom prst="line">
                 <a:avLst/>
               </a:prstGeom>
-              <a:noFill/>
             </p:spPr>
-            <p:txBody>
-              <a:bodyPr wrap="none" rtlCol="0">
-                <a:spAutoFit/>
-              </a:bodyPr>
-              <a:lstStyle/>
-              <a:p>
-                <a14:m>
-                  <m:oMathPara xmlns:m="http://schemas.openxmlformats.org/officeDocument/2006/math">
-                    <m:oMathParaPr>
-                      <m:jc m:val="centerGroup"/>
-                    </m:oMathParaPr>
-                    <m:oMath xmlns:m="http://schemas.openxmlformats.org/officeDocument/2006/math">
-                      <m:sSub>
-                        <m:sSubPr>
-                          <m:ctrlPr>
-                            <a:rPr lang="en-US" sz="700" b="0" i="1" smtClean="0">
-                              <a:latin typeface="Cambria Math"/>
-                            </a:rPr>
-                          </m:ctrlPr>
-                        </m:sSubPr>
-                        <m:e>
-                          <m:r>
-                            <a:rPr lang="en-US" sz="700" b="0" i="1" smtClean="0">
-                              <a:latin typeface="Cambria Math"/>
-                            </a:rPr>
-                            <m:t>𝑄</m:t>
-                          </m:r>
-                        </m:e>
-                        <m:sub>
-                          <m:r>
-                            <a:rPr lang="en-US" sz="700" b="0" i="1" smtClean="0">
-                              <a:latin typeface="Cambria Math"/>
-                            </a:rPr>
-                            <m:t>6</m:t>
-                          </m:r>
-                        </m:sub>
-                      </m:sSub>
-                    </m:oMath>
-                  </m:oMathPara>
-                </a14:m>
-                <a:endParaRPr lang="en-US" sz="700" dirty="0"/>
-              </a:p>
-            </p:txBody>
-          </p:sp>
-        </mc:Choice>
-        <mc:Fallback>
-          <p:sp>
-            <p:nvSpPr>
-              <p:cNvPr id="78" name="TextBox 77"/>
-              <p:cNvSpPr txBox="1">
-                <a:spLocks noRot="1" noChangeAspect="1" noMove="1" noResize="1" noEditPoints="1" noAdjustHandles="1" noChangeArrowheads="1" noChangeShapeType="1" noTextEdit="1"/>
-              </p:cNvSpPr>
+            <p:style>
+              <a:lnRef idx="2">
+                <a:schemeClr val="accent1"/>
+              </a:lnRef>
+              <a:fillRef idx="0">
+                <a:schemeClr val="accent1"/>
+              </a:fillRef>
+              <a:effectRef idx="1">
+                <a:schemeClr val="accent1"/>
+              </a:effectRef>
+              <a:fontRef idx="minor">
+                <a:schemeClr val="tx1"/>
+              </a:fontRef>
+            </p:style>
+          </p:cxnSp>
+          <p:cxnSp>
+            <p:nvCxnSpPr>
+              <p:cNvPr id="57" name="Straight Connector 56"/>
+              <p:cNvCxnSpPr/>
               <p:nvPr/>
-            </p:nvSpPr>
+            </p:nvCxnSpPr>
             <p:spPr>
               <a:xfrm>
-                <a:off x="7161811" y="448831"/>
-                <a:ext cx="305789" cy="200055"/>
+                <a:off x="1524614" y="762000"/>
+                <a:ext cx="159444" cy="0"/>
               </a:xfrm>
-              <a:prstGeom prst="rect">
+              <a:prstGeom prst="line">
                 <a:avLst/>
               </a:prstGeom>
-              <a:blipFill rotWithShape="1">
-                <a:blip r:embed="rId11"/>
-                <a:stretch>
-                  <a:fillRect/>
-                </a:stretch>
-              </a:blipFill>
             </p:spPr>
-            <p:txBody>
-              <a:bodyPr/>
-              <a:lstStyle/>
-              <a:p>
-                <a:r>
-                  <a:rPr lang="en-US">
-                    <a:noFill/>
-                  </a:rPr>
-                  <a:t> </a:t>
-                </a:r>
-              </a:p>
-            </p:txBody>
-          </p:sp>
-        </mc:Fallback>
-      </mc:AlternateContent>
-      <mc:AlternateContent xmlns:mc="http://schemas.openxmlformats.org/markup-compatibility/2006">
-        <mc:Choice xmlns:a14="http://schemas.microsoft.com/office/drawing/2010/main" Requires="a14">
-          <p:sp>
-            <p:nvSpPr>
-              <p:cNvPr id="79" name="TextBox 78"/>
-              <p:cNvSpPr txBox="1"/>
+            <p:style>
+              <a:lnRef idx="2">
+                <a:schemeClr val="accent1"/>
+              </a:lnRef>
+              <a:fillRef idx="0">
+                <a:schemeClr val="accent1"/>
+              </a:fillRef>
+              <a:effectRef idx="1">
+                <a:schemeClr val="accent1"/>
+              </a:effectRef>
+              <a:fontRef idx="minor">
+                <a:schemeClr val="tx1"/>
+              </a:fontRef>
+            </p:style>
+          </p:cxnSp>
+        </p:grpSp>
+        <p:grpSp>
+          <p:nvGrpSpPr>
+            <p:cNvPr id="23" name="Group 22"/>
+            <p:cNvGrpSpPr/>
+            <p:nvPr/>
+          </p:nvGrpSpPr>
+          <p:grpSpPr>
+            <a:xfrm>
+              <a:off x="6471163" y="642257"/>
+              <a:ext cx="159444" cy="457200"/>
+              <a:chOff x="6196923" y="642257"/>
+              <a:chExt cx="159444" cy="457200"/>
+            </a:xfrm>
+          </p:grpSpPr>
+          <p:cxnSp>
+            <p:nvCxnSpPr>
+              <p:cNvPr id="58" name="Straight Connector 57"/>
+              <p:cNvCxnSpPr/>
               <p:nvPr/>
-            </p:nvSpPr>
+            </p:nvCxnSpPr>
             <p:spPr>
               <a:xfrm>
-                <a:off x="1335298" y="5029200"/>
-                <a:ext cx="302711" cy="200055"/>
+                <a:off x="6196923" y="642257"/>
+                <a:ext cx="0" cy="457200"/>
               </a:xfrm>
-              <a:prstGeom prst="rect">
+              <a:prstGeom prst="line">
                 <a:avLst/>
               </a:prstGeom>
-              <a:noFill/>
             </p:spPr>
-            <p:txBody>
-              <a:bodyPr wrap="none" rtlCol="0">
-                <a:spAutoFit/>
-              </a:bodyPr>
-              <a:lstStyle/>
-              <a:p>
-                <a14:m>
-                  <m:oMathPara xmlns:m="http://schemas.openxmlformats.org/officeDocument/2006/math">
-                    <m:oMathParaPr>
-                      <m:jc m:val="centerGroup"/>
-                    </m:oMathParaPr>
-                    <m:oMath xmlns:m="http://schemas.openxmlformats.org/officeDocument/2006/math">
-                      <m:sSub>
-                        <m:sSubPr>
-                          <m:ctrlPr>
-                            <a:rPr lang="en-US" sz="700" i="1" smtClean="0">
-                              <a:latin typeface="Cambria Math"/>
-                            </a:rPr>
-                          </m:ctrlPr>
-                        </m:sSubPr>
-                        <m:e>
-                          <m:r>
-                            <a:rPr lang="en-US" sz="700" b="0" i="1" smtClean="0">
-                              <a:latin typeface="Cambria Math"/>
-                            </a:rPr>
-                            <m:t>𝑈</m:t>
-                          </m:r>
-                        </m:e>
-                        <m:sub>
-                          <m:r>
-                            <a:rPr lang="en-US" sz="700" b="0" i="1" smtClean="0">
-                              <a:latin typeface="Cambria Math"/>
-                            </a:rPr>
-                            <m:t>1</m:t>
-                          </m:r>
-                        </m:sub>
-                      </m:sSub>
-                    </m:oMath>
-                  </m:oMathPara>
-                </a14:m>
-                <a:endParaRPr lang="en-US" sz="700" dirty="0"/>
-              </a:p>
-            </p:txBody>
-          </p:sp>
-        </mc:Choice>
-        <mc:Fallback>
-          <p:sp>
-            <p:nvSpPr>
-              <p:cNvPr id="79" name="TextBox 78"/>
-              <p:cNvSpPr txBox="1">
-                <a:spLocks noRot="1" noChangeAspect="1" noMove="1" noResize="1" noEditPoints="1" noAdjustHandles="1" noChangeArrowheads="1" noChangeShapeType="1" noTextEdit="1"/>
-              </p:cNvSpPr>
+            <p:style>
+              <a:lnRef idx="2">
+                <a:schemeClr val="accent4"/>
+              </a:lnRef>
+              <a:fillRef idx="0">
+                <a:schemeClr val="accent4"/>
+              </a:fillRef>
+              <a:effectRef idx="1">
+                <a:schemeClr val="accent4"/>
+              </a:effectRef>
+              <a:fontRef idx="minor">
+                <a:schemeClr val="tx1"/>
+              </a:fontRef>
+            </p:style>
+          </p:cxnSp>
+          <p:cxnSp>
+            <p:nvCxnSpPr>
+              <p:cNvPr id="59" name="Straight Connector 58"/>
+              <p:cNvCxnSpPr/>
               <p:nvPr/>
-            </p:nvSpPr>
+            </p:nvCxnSpPr>
             <p:spPr>
               <a:xfrm>
-                <a:off x="1335298" y="5029200"/>
-                <a:ext cx="302711" cy="200055"/>
+                <a:off x="6356367" y="642257"/>
+                <a:ext cx="0" cy="457200"/>
               </a:xfrm>
-              <a:prstGeom prst="rect">
+              <a:prstGeom prst="line">
                 <a:avLst/>
               </a:prstGeom>
-              <a:blipFill rotWithShape="1">
-                <a:blip r:embed="rId12"/>
-                <a:stretch>
-                  <a:fillRect/>
-                </a:stretch>
-              </a:blipFill>
             </p:spPr>
-            <p:txBody>
-              <a:bodyPr/>
-              <a:lstStyle/>
-              <a:p>
-                <a:r>
-                  <a:rPr lang="en-US">
-                    <a:noFill/>
-                  </a:rPr>
-                  <a:t> </a:t>
-                </a:r>
-              </a:p>
-            </p:txBody>
-          </p:sp>
-        </mc:Fallback>
-      </mc:AlternateContent>
-      <mc:AlternateContent xmlns:mc="http://schemas.openxmlformats.org/markup-compatibility/2006">
-        <mc:Choice xmlns:a14="http://schemas.microsoft.com/office/drawing/2010/main" Requires="a14">
-          <p:sp>
-            <p:nvSpPr>
-              <p:cNvPr id="80" name="TextBox 79"/>
-              <p:cNvSpPr txBox="1"/>
+            <p:style>
+              <a:lnRef idx="2">
+                <a:schemeClr val="accent4"/>
+              </a:lnRef>
+              <a:fillRef idx="0">
+                <a:schemeClr val="accent4"/>
+              </a:fillRef>
+              <a:effectRef idx="1">
+                <a:schemeClr val="accent4"/>
+              </a:effectRef>
+              <a:fontRef idx="minor">
+                <a:schemeClr val="tx1"/>
+              </a:fontRef>
+            </p:style>
+          </p:cxnSp>
+          <p:cxnSp>
+            <p:nvCxnSpPr>
+              <p:cNvPr id="60" name="Straight Connector 59"/>
+              <p:cNvCxnSpPr/>
               <p:nvPr/>
-            </p:nvSpPr>
+            </p:nvCxnSpPr>
             <p:spPr>
               <a:xfrm>
-                <a:off x="3031178" y="5257800"/>
-                <a:ext cx="304762" cy="200055"/>
+                <a:off x="6196923" y="1099457"/>
+                <a:ext cx="159444" cy="0"/>
               </a:xfrm>
-              <a:prstGeom prst="rect">
+              <a:prstGeom prst="line">
                 <a:avLst/>
               </a:prstGeom>
-              <a:noFill/>
             </p:spPr>
-            <p:txBody>
-              <a:bodyPr wrap="none" rtlCol="0">
-                <a:spAutoFit/>
-              </a:bodyPr>
-              <a:lstStyle/>
-              <a:p>
-                <a14:m>
-                  <m:oMathPara xmlns:m="http://schemas.openxmlformats.org/officeDocument/2006/math">
-                    <m:oMathParaPr>
-                      <m:jc m:val="centerGroup"/>
-                    </m:oMathParaPr>
-                    <m:oMath xmlns:m="http://schemas.openxmlformats.org/officeDocument/2006/math">
-                      <m:sSub>
-                        <m:sSubPr>
-                          <m:ctrlPr>
-                            <a:rPr lang="en-US" sz="700" i="1" smtClean="0">
-                              <a:latin typeface="Cambria Math"/>
-                            </a:rPr>
-                          </m:ctrlPr>
-                        </m:sSubPr>
-                        <m:e>
-                          <m:r>
-                            <a:rPr lang="en-US" sz="700" b="0" i="1" smtClean="0">
-                              <a:latin typeface="Cambria Math"/>
-                            </a:rPr>
-                            <m:t>𝑈</m:t>
-                          </m:r>
-                        </m:e>
-                        <m:sub>
-                          <m:r>
-                            <a:rPr lang="en-US" sz="700" b="0" i="1" smtClean="0">
-                              <a:latin typeface="Cambria Math"/>
-                            </a:rPr>
-                            <m:t>2</m:t>
-                          </m:r>
-                        </m:sub>
-                      </m:sSub>
-                    </m:oMath>
-                  </m:oMathPara>
-                </a14:m>
-                <a:endParaRPr lang="en-US" sz="700" dirty="0"/>
-              </a:p>
-            </p:txBody>
-          </p:sp>
-        </mc:Choice>
-        <mc:Fallback>
-          <p:sp>
-            <p:nvSpPr>
-              <p:cNvPr id="80" name="TextBox 79"/>
-              <p:cNvSpPr txBox="1">
-                <a:spLocks noRot="1" noChangeAspect="1" noMove="1" noResize="1" noEditPoints="1" noAdjustHandles="1" noChangeArrowheads="1" noChangeShapeType="1" noTextEdit="1"/>
-              </p:cNvSpPr>
+            <p:style>
+              <a:lnRef idx="2">
+                <a:schemeClr val="accent4"/>
+              </a:lnRef>
+              <a:fillRef idx="0">
+                <a:schemeClr val="accent4"/>
+              </a:fillRef>
+              <a:effectRef idx="1">
+                <a:schemeClr val="accent4"/>
+              </a:effectRef>
+              <a:fontRef idx="minor">
+                <a:schemeClr val="tx1"/>
+              </a:fontRef>
+            </p:style>
+          </p:cxnSp>
+          <p:cxnSp>
+            <p:nvCxnSpPr>
+              <p:cNvPr id="63" name="Straight Connector 62"/>
+              <p:cNvCxnSpPr/>
               <p:nvPr/>
-            </p:nvSpPr>
+            </p:nvCxnSpPr>
             <p:spPr>
               <a:xfrm>
-                <a:off x="3031178" y="5257800"/>
-                <a:ext cx="304762" cy="200055"/>
+                <a:off x="6196923" y="990600"/>
+                <a:ext cx="159444" cy="0"/>
               </a:xfrm>
-              <a:prstGeom prst="rect">
+              <a:prstGeom prst="line">
                 <a:avLst/>
               </a:prstGeom>
-              <a:blipFill rotWithShape="1">
-                <a:blip r:embed="rId13"/>
-                <a:stretch>
-                  <a:fillRect/>
-                </a:stretch>
-              </a:blipFill>
             </p:spPr>
-            <p:txBody>
-              <a:bodyPr/>
-              <a:lstStyle/>
-              <a:p>
-                <a:r>
-                  <a:rPr lang="en-US">
-                    <a:noFill/>
-                  </a:rPr>
-                  <a:t> </a:t>
-                </a:r>
-              </a:p>
-            </p:txBody>
-          </p:sp>
-        </mc:Fallback>
-      </mc:AlternateContent>
-      <mc:AlternateContent xmlns:mc="http://schemas.openxmlformats.org/markup-compatibility/2006">
-        <mc:Choice xmlns:a14="http://schemas.microsoft.com/office/drawing/2010/main" Requires="a14">
-          <p:sp>
-            <p:nvSpPr>
-              <p:cNvPr id="81" name="TextBox 80"/>
-              <p:cNvSpPr txBox="1"/>
+            <p:style>
+              <a:lnRef idx="2">
+                <a:schemeClr val="accent4"/>
+              </a:lnRef>
+              <a:fillRef idx="0">
+                <a:schemeClr val="accent4"/>
+              </a:fillRef>
+              <a:effectRef idx="1">
+                <a:schemeClr val="accent4"/>
+              </a:effectRef>
+              <a:fontRef idx="minor">
+                <a:schemeClr val="tx1"/>
+              </a:fontRef>
+            </p:style>
+          </p:cxnSp>
+        </p:grpSp>
+        <p:grpSp>
+          <p:nvGrpSpPr>
+            <p:cNvPr id="24" name="Group 23"/>
+            <p:cNvGrpSpPr/>
+            <p:nvPr/>
+          </p:nvGrpSpPr>
+          <p:grpSpPr>
+            <a:xfrm>
+              <a:off x="6857316" y="657255"/>
+              <a:ext cx="159444" cy="457200"/>
+              <a:chOff x="6546156" y="642257"/>
+              <a:chExt cx="159444" cy="457200"/>
+            </a:xfrm>
+          </p:grpSpPr>
+          <p:cxnSp>
+            <p:nvCxnSpPr>
+              <p:cNvPr id="65" name="Straight Connector 64"/>
+              <p:cNvCxnSpPr/>
               <p:nvPr/>
-            </p:nvSpPr>
+            </p:nvCxnSpPr>
             <p:spPr>
               <a:xfrm>
-                <a:off x="4151110" y="3219474"/>
-                <a:ext cx="304762" cy="200055"/>
+                <a:off x="6546156" y="642257"/>
+                <a:ext cx="0" cy="457200"/>
               </a:xfrm>
-              <a:prstGeom prst="rect">
+              <a:prstGeom prst="line">
                 <a:avLst/>
               </a:prstGeom>
-              <a:noFill/>
             </p:spPr>
-            <p:txBody>
-              <a:bodyPr wrap="none" rtlCol="0">
-                <a:spAutoFit/>
-              </a:bodyPr>
-              <a:lstStyle/>
-              <a:p>
-                <a14:m>
-                  <m:oMathPara xmlns:m="http://schemas.openxmlformats.org/officeDocument/2006/math">
-                    <m:oMathParaPr>
-                      <m:jc m:val="centerGroup"/>
-                    </m:oMathParaPr>
-                    <m:oMath xmlns:m="http://schemas.openxmlformats.org/officeDocument/2006/math">
-                      <m:sSub>
-                        <m:sSubPr>
-                          <m:ctrlPr>
-                            <a:rPr lang="en-US" sz="700" i="1" smtClean="0">
-                              <a:latin typeface="Cambria Math"/>
-                            </a:rPr>
-                          </m:ctrlPr>
-                        </m:sSubPr>
-                        <m:e>
-                          <m:r>
-                            <a:rPr lang="en-US" sz="700" b="0" i="1" smtClean="0">
-                              <a:latin typeface="Cambria Math"/>
-                            </a:rPr>
-                            <m:t>𝑈</m:t>
-                          </m:r>
-                        </m:e>
-                        <m:sub>
-                          <m:r>
-                            <a:rPr lang="en-US" sz="700" b="0" i="1" smtClean="0">
-                              <a:latin typeface="Cambria Math"/>
-                            </a:rPr>
-                            <m:t>3</m:t>
-                          </m:r>
-                        </m:sub>
-                      </m:sSub>
-                    </m:oMath>
-                  </m:oMathPara>
-                </a14:m>
-                <a:endParaRPr lang="en-US" sz="700" dirty="0"/>
-              </a:p>
-            </p:txBody>
-          </p:sp>
-        </mc:Choice>
-        <mc:Fallback>
-          <p:sp>
-            <p:nvSpPr>
-              <p:cNvPr id="81" name="TextBox 80"/>
-              <p:cNvSpPr txBox="1">
-                <a:spLocks noRot="1" noChangeAspect="1" noMove="1" noResize="1" noEditPoints="1" noAdjustHandles="1" noChangeArrowheads="1" noChangeShapeType="1" noTextEdit="1"/>
-              </p:cNvSpPr>
+            <p:style>
+              <a:lnRef idx="2">
+                <a:schemeClr val="accent6"/>
+              </a:lnRef>
+              <a:fillRef idx="0">
+                <a:schemeClr val="accent6"/>
+              </a:fillRef>
+              <a:effectRef idx="1">
+                <a:schemeClr val="accent6"/>
+              </a:effectRef>
+              <a:fontRef idx="minor">
+                <a:schemeClr val="tx1"/>
+              </a:fontRef>
+            </p:style>
+          </p:cxnSp>
+          <p:cxnSp>
+            <p:nvCxnSpPr>
+              <p:cNvPr id="67" name="Straight Connector 66"/>
+              <p:cNvCxnSpPr/>
               <p:nvPr/>
-            </p:nvSpPr>
+            </p:nvCxnSpPr>
             <p:spPr>
               <a:xfrm>
-                <a:off x="4151110" y="3219474"/>
-                <a:ext cx="304762" cy="200055"/>
+                <a:off x="6705600" y="642257"/>
+                <a:ext cx="0" cy="457200"/>
               </a:xfrm>
-              <a:prstGeom prst="rect">
+              <a:prstGeom prst="line">
                 <a:avLst/>
               </a:prstGeom>
-              <a:blipFill rotWithShape="1">
-                <a:blip r:embed="rId14"/>
-                <a:stretch>
-                  <a:fillRect/>
-                </a:stretch>
-              </a:blipFill>
             </p:spPr>
-            <p:txBody>
-              <a:bodyPr/>
-              <a:lstStyle/>
-              <a:p>
-                <a:r>
-                  <a:rPr lang="en-US">
-                    <a:noFill/>
-                  </a:rPr>
-                  <a:t> </a:t>
-                </a:r>
-              </a:p>
-            </p:txBody>
-          </p:sp>
-        </mc:Fallback>
-      </mc:AlternateContent>
-      <mc:AlternateContent xmlns:mc="http://schemas.openxmlformats.org/markup-compatibility/2006">
-        <mc:Choice xmlns:a14="http://schemas.microsoft.com/office/drawing/2010/main" Requires="a14">
-          <p:sp>
-            <p:nvSpPr>
-              <p:cNvPr id="82" name="TextBox 81"/>
-              <p:cNvSpPr txBox="1"/>
+            <p:style>
+              <a:lnRef idx="2">
+                <a:schemeClr val="accent6"/>
+              </a:lnRef>
+              <a:fillRef idx="0">
+                <a:schemeClr val="accent6"/>
+              </a:fillRef>
+              <a:effectRef idx="1">
+                <a:schemeClr val="accent6"/>
+              </a:effectRef>
+              <a:fontRef idx="minor">
+                <a:schemeClr val="tx1"/>
+              </a:fontRef>
+            </p:style>
+          </p:cxnSp>
+          <p:cxnSp>
+            <p:nvCxnSpPr>
+              <p:cNvPr id="68" name="Straight Connector 67"/>
+              <p:cNvCxnSpPr/>
               <p:nvPr/>
-            </p:nvSpPr>
+            </p:nvCxnSpPr>
             <p:spPr>
               <a:xfrm>
-                <a:off x="4119718" y="1752600"/>
-                <a:ext cx="304762" cy="200055"/>
+                <a:off x="6546156" y="1099457"/>
+                <a:ext cx="159444" cy="0"/>
               </a:xfrm>
-              <a:prstGeom prst="rect">
+              <a:prstGeom prst="line">
                 <a:avLst/>
               </a:prstGeom>
-              <a:noFill/>
             </p:spPr>
-            <p:txBody>
-              <a:bodyPr wrap="none" rtlCol="0">
-                <a:spAutoFit/>
-              </a:bodyPr>
-              <a:lstStyle/>
-              <a:p>
-                <a14:m>
-                  <m:oMathPara xmlns:m="http://schemas.openxmlformats.org/officeDocument/2006/math">
-                    <m:oMathParaPr>
-                      <m:jc m:val="centerGroup"/>
-                    </m:oMathParaPr>
-                    <m:oMath xmlns:m="http://schemas.openxmlformats.org/officeDocument/2006/math">
-                      <m:sSub>
-                        <m:sSubPr>
-                          <m:ctrlPr>
-                            <a:rPr lang="en-US" sz="700" i="1" smtClean="0">
-                              <a:latin typeface="Cambria Math"/>
-                            </a:rPr>
-                          </m:ctrlPr>
-                        </m:sSubPr>
-                        <m:e>
-                          <m:r>
-                            <a:rPr lang="en-US" sz="700" b="0" i="1" smtClean="0">
-                              <a:latin typeface="Cambria Math"/>
-                            </a:rPr>
-                            <m:t>𝑈</m:t>
-                          </m:r>
-                        </m:e>
-                        <m:sub>
-                          <m:r>
-                            <a:rPr lang="en-US" sz="700" b="0" i="1" smtClean="0">
-                              <a:latin typeface="Cambria Math"/>
-                            </a:rPr>
-                            <m:t>4</m:t>
-                          </m:r>
-                        </m:sub>
-                      </m:sSub>
-                    </m:oMath>
-                  </m:oMathPara>
-                </a14:m>
-                <a:endParaRPr lang="en-US" sz="700" dirty="0"/>
-              </a:p>
-            </p:txBody>
-          </p:sp>
-        </mc:Choice>
-        <mc:Fallback>
-          <p:sp>
-            <p:nvSpPr>
-              <p:cNvPr id="82" name="TextBox 81"/>
-              <p:cNvSpPr txBox="1">
-                <a:spLocks noRot="1" noChangeAspect="1" noMove="1" noResize="1" noEditPoints="1" noAdjustHandles="1" noChangeArrowheads="1" noChangeShapeType="1" noTextEdit="1"/>
-              </p:cNvSpPr>
+            <p:style>
+              <a:lnRef idx="2">
+                <a:schemeClr val="accent6"/>
+              </a:lnRef>
+              <a:fillRef idx="0">
+                <a:schemeClr val="accent6"/>
+              </a:fillRef>
+              <a:effectRef idx="1">
+                <a:schemeClr val="accent6"/>
+              </a:effectRef>
+              <a:fontRef idx="minor">
+                <a:schemeClr val="tx1"/>
+              </a:fontRef>
+            </p:style>
+          </p:cxnSp>
+          <p:cxnSp>
+            <p:nvCxnSpPr>
+              <p:cNvPr id="69" name="Straight Connector 68"/>
+              <p:cNvCxnSpPr/>
               <p:nvPr/>
-            </p:nvSpPr>
+            </p:nvCxnSpPr>
             <p:spPr>
               <a:xfrm>
-                <a:off x="4119718" y="1752600"/>
-                <a:ext cx="304762" cy="200055"/>
+                <a:off x="6546156" y="762000"/>
+                <a:ext cx="159444" cy="0"/>
               </a:xfrm>
-              <a:prstGeom prst="rect">
+              <a:prstGeom prst="line">
                 <a:avLst/>
               </a:prstGeom>
-              <a:blipFill rotWithShape="1">
-                <a:blip r:embed="rId15"/>
-                <a:stretch>
-                  <a:fillRect/>
-                </a:stretch>
-              </a:blipFill>
             </p:spPr>
-            <p:txBody>
-              <a:bodyPr/>
-              <a:lstStyle/>
-              <a:p>
-                <a:r>
-                  <a:rPr lang="en-US">
-                    <a:noFill/>
-                  </a:rPr>
-                  <a:t> </a:t>
-                </a:r>
-              </a:p>
-            </p:txBody>
-          </p:sp>
-        </mc:Fallback>
-      </mc:AlternateContent>
-      <mc:AlternateContent xmlns:mc="http://schemas.openxmlformats.org/markup-compatibility/2006">
-        <mc:Choice xmlns:a14="http://schemas.microsoft.com/office/drawing/2010/main" Requires="a14">
-          <p:sp>
-            <p:nvSpPr>
-              <p:cNvPr id="83" name="TextBox 82"/>
-              <p:cNvSpPr txBox="1"/>
+            <p:style>
+              <a:lnRef idx="2">
+                <a:schemeClr val="accent6"/>
+              </a:lnRef>
+              <a:fillRef idx="0">
+                <a:schemeClr val="accent6"/>
+              </a:fillRef>
+              <a:effectRef idx="1">
+                <a:schemeClr val="accent6"/>
+              </a:effectRef>
+              <a:fontRef idx="minor">
+                <a:schemeClr val="tx1"/>
+              </a:fontRef>
+            </p:style>
+          </p:cxnSp>
+        </p:grpSp>
+        <p:grpSp>
+          <p:nvGrpSpPr>
+            <p:cNvPr id="26" name="Group 25"/>
+            <p:cNvGrpSpPr/>
+            <p:nvPr/>
+          </p:nvGrpSpPr>
+          <p:grpSpPr>
+            <a:xfrm>
+              <a:off x="7234984" y="657673"/>
+              <a:ext cx="159444" cy="457200"/>
+              <a:chOff x="6801248" y="642257"/>
+              <a:chExt cx="159444" cy="457200"/>
+            </a:xfrm>
+          </p:grpSpPr>
+          <p:cxnSp>
+            <p:nvCxnSpPr>
+              <p:cNvPr id="70" name="Straight Connector 69"/>
+              <p:cNvCxnSpPr/>
               <p:nvPr/>
-            </p:nvSpPr>
+            </p:nvCxnSpPr>
             <p:spPr>
               <a:xfrm>
-                <a:off x="7652060" y="5029200"/>
-                <a:ext cx="304762" cy="200055"/>
+                <a:off x="6801248" y="642257"/>
+                <a:ext cx="0" cy="457200"/>
               </a:xfrm>
-              <a:prstGeom prst="rect">
+              <a:prstGeom prst="line">
                 <a:avLst/>
               </a:prstGeom>
-              <a:noFill/>
             </p:spPr>
-            <p:txBody>
-              <a:bodyPr wrap="none" rtlCol="0">
-                <a:spAutoFit/>
-              </a:bodyPr>
-              <a:lstStyle/>
-              <a:p>
-                <a14:m>
-                  <m:oMathPara xmlns:m="http://schemas.openxmlformats.org/officeDocument/2006/math">
-                    <m:oMathParaPr>
-                      <m:jc m:val="centerGroup"/>
-                    </m:oMathParaPr>
-                    <m:oMath xmlns:m="http://schemas.openxmlformats.org/officeDocument/2006/math">
-                      <m:sSub>
-                        <m:sSubPr>
-                          <m:ctrlPr>
-                            <a:rPr lang="en-US" sz="700" i="1" smtClean="0">
-                              <a:latin typeface="Cambria Math"/>
-                            </a:rPr>
-                          </m:ctrlPr>
-                        </m:sSubPr>
-                        <m:e>
-                          <m:r>
-                            <a:rPr lang="en-US" sz="700" b="0" i="1" smtClean="0">
-                              <a:latin typeface="Cambria Math"/>
-                            </a:rPr>
-                            <m:t>𝑈</m:t>
-                          </m:r>
-                        </m:e>
-                        <m:sub>
-                          <m:r>
-                            <a:rPr lang="en-US" sz="700" b="0" i="1" smtClean="0">
-                              <a:latin typeface="Cambria Math"/>
-                            </a:rPr>
-                            <m:t>5</m:t>
-                          </m:r>
-                        </m:sub>
-                      </m:sSub>
-                    </m:oMath>
-                  </m:oMathPara>
-                </a14:m>
-                <a:endParaRPr lang="en-US" sz="700" dirty="0"/>
-              </a:p>
-            </p:txBody>
-          </p:sp>
-        </mc:Choice>
-        <mc:Fallback>
-          <p:sp>
-            <p:nvSpPr>
-              <p:cNvPr id="83" name="TextBox 82"/>
-              <p:cNvSpPr txBox="1">
-                <a:spLocks noRot="1" noChangeAspect="1" noMove="1" noResize="1" noEditPoints="1" noAdjustHandles="1" noChangeArrowheads="1" noChangeShapeType="1" noTextEdit="1"/>
-              </p:cNvSpPr>
+            <p:style>
+              <a:lnRef idx="2">
+                <a:schemeClr val="accent5"/>
+              </a:lnRef>
+              <a:fillRef idx="0">
+                <a:schemeClr val="accent5"/>
+              </a:fillRef>
+              <a:effectRef idx="1">
+                <a:schemeClr val="accent5"/>
+              </a:effectRef>
+              <a:fontRef idx="minor">
+                <a:schemeClr val="tx1"/>
+              </a:fontRef>
+            </p:style>
+          </p:cxnSp>
+          <p:cxnSp>
+            <p:nvCxnSpPr>
+              <p:cNvPr id="71" name="Straight Connector 70"/>
+              <p:cNvCxnSpPr/>
               <p:nvPr/>
-            </p:nvSpPr>
+            </p:nvCxnSpPr>
             <p:spPr>
               <a:xfrm>
-                <a:off x="7652060" y="5029200"/>
-                <a:ext cx="304762" cy="200055"/>
+                <a:off x="6960692" y="642257"/>
+                <a:ext cx="0" cy="457200"/>
               </a:xfrm>
-              <a:prstGeom prst="rect">
+              <a:prstGeom prst="line">
                 <a:avLst/>
               </a:prstGeom>
-              <a:blipFill rotWithShape="1">
-                <a:blip r:embed="rId16"/>
-                <a:stretch>
-                  <a:fillRect/>
-                </a:stretch>
-              </a:blipFill>
             </p:spPr>
-            <p:txBody>
-              <a:bodyPr/>
-              <a:lstStyle/>
-              <a:p>
-                <a:r>
-                  <a:rPr lang="en-US">
-                    <a:noFill/>
-                  </a:rPr>
-                  <a:t> </a:t>
-                </a:r>
-              </a:p>
-            </p:txBody>
-          </p:sp>
-        </mc:Fallback>
-      </mc:AlternateContent>
-      <mc:AlternateContent xmlns:mc="http://schemas.openxmlformats.org/markup-compatibility/2006">
-        <mc:Choice xmlns:a14="http://schemas.microsoft.com/office/drawing/2010/main" Requires="a14">
-          <p:sp>
-            <p:nvSpPr>
-              <p:cNvPr id="84" name="TextBox 83"/>
-              <p:cNvSpPr txBox="1"/>
+            <p:style>
+              <a:lnRef idx="2">
+                <a:schemeClr val="accent5"/>
+              </a:lnRef>
+              <a:fillRef idx="0">
+                <a:schemeClr val="accent5"/>
+              </a:fillRef>
+              <a:effectRef idx="1">
+                <a:schemeClr val="accent5"/>
+              </a:effectRef>
+              <a:fontRef idx="minor">
+                <a:schemeClr val="tx1"/>
+              </a:fontRef>
+            </p:style>
+          </p:cxnSp>
+          <p:cxnSp>
+            <p:nvCxnSpPr>
+              <p:cNvPr id="72" name="Straight Connector 71"/>
+              <p:cNvCxnSpPr/>
               <p:nvPr/>
-            </p:nvSpPr>
+            </p:nvCxnSpPr>
             <p:spPr>
               <a:xfrm>
-                <a:off x="5685057" y="5562600"/>
-                <a:ext cx="304762" cy="200055"/>
+                <a:off x="6801248" y="1099457"/>
+                <a:ext cx="159444" cy="0"/>
               </a:xfrm>
-              <a:prstGeom prst="rect">
+              <a:prstGeom prst="line">
                 <a:avLst/>
               </a:prstGeom>
-              <a:noFill/>
             </p:spPr>
-            <p:txBody>
-              <a:bodyPr wrap="none" rtlCol="0">
-                <a:spAutoFit/>
-              </a:bodyPr>
-              <a:lstStyle/>
-              <a:p>
-                <a14:m>
-                  <m:oMathPara xmlns:m="http://schemas.openxmlformats.org/officeDocument/2006/math">
-                    <m:oMathParaPr>
-                      <m:jc m:val="centerGroup"/>
-                    </m:oMathParaPr>
-                    <m:oMath xmlns:m="http://schemas.openxmlformats.org/officeDocument/2006/math">
-                      <m:sSub>
-                        <m:sSubPr>
-                          <m:ctrlPr>
-                            <a:rPr lang="en-US" sz="700" i="1" smtClean="0">
-                              <a:latin typeface="Cambria Math"/>
-                            </a:rPr>
-                          </m:ctrlPr>
-                        </m:sSubPr>
-                        <m:e>
-                          <m:r>
-                            <a:rPr lang="en-US" sz="700" b="0" i="1" smtClean="0">
-                              <a:latin typeface="Cambria Math"/>
-                            </a:rPr>
-                            <m:t>𝑈</m:t>
-                          </m:r>
-                        </m:e>
-                        <m:sub>
-                          <m:r>
-                            <a:rPr lang="en-US" sz="700" b="0" i="1" smtClean="0">
-                              <a:latin typeface="Cambria Math"/>
-                            </a:rPr>
-                            <m:t>6</m:t>
-                          </m:r>
-                        </m:sub>
-                      </m:sSub>
-                    </m:oMath>
-                  </m:oMathPara>
-                </a14:m>
-                <a:endParaRPr lang="en-US" sz="700" dirty="0"/>
-              </a:p>
-            </p:txBody>
-          </p:sp>
-        </mc:Choice>
-        <mc:Fallback>
-          <p:sp>
-            <p:nvSpPr>
-              <p:cNvPr id="84" name="TextBox 83"/>
-              <p:cNvSpPr txBox="1">
-                <a:spLocks noRot="1" noChangeAspect="1" noMove="1" noResize="1" noEditPoints="1" noAdjustHandles="1" noChangeArrowheads="1" noChangeShapeType="1" noTextEdit="1"/>
-              </p:cNvSpPr>
+            <p:style>
+              <a:lnRef idx="2">
+                <a:schemeClr val="accent5"/>
+              </a:lnRef>
+              <a:fillRef idx="0">
+                <a:schemeClr val="accent5"/>
+              </a:fillRef>
+              <a:effectRef idx="1">
+                <a:schemeClr val="accent5"/>
+              </a:effectRef>
+              <a:fontRef idx="minor">
+                <a:schemeClr val="tx1"/>
+              </a:fontRef>
+            </p:style>
+          </p:cxnSp>
+          <p:cxnSp>
+            <p:nvCxnSpPr>
+              <p:cNvPr id="73" name="Straight Connector 72"/>
+              <p:cNvCxnSpPr/>
               <p:nvPr/>
-            </p:nvSpPr>
+            </p:nvCxnSpPr>
             <p:spPr>
               <a:xfrm>
-                <a:off x="5685057" y="5562600"/>
-                <a:ext cx="304762" cy="200055"/>
+                <a:off x="6801248" y="914400"/>
+                <a:ext cx="159444" cy="0"/>
               </a:xfrm>
-              <a:prstGeom prst="rect">
+              <a:prstGeom prst="line">
                 <a:avLst/>
               </a:prstGeom>
-              <a:blipFill rotWithShape="1">
-                <a:blip r:embed="rId17"/>
-                <a:stretch>
-                  <a:fillRect/>
-                </a:stretch>
-              </a:blipFill>
             </p:spPr>
-            <p:txBody>
-              <a:bodyPr/>
-              <a:lstStyle/>
-              <a:p>
-                <a:r>
-                  <a:rPr lang="en-US">
-                    <a:noFill/>
-                  </a:rPr>
-                  <a:t> </a:t>
-                </a:r>
-              </a:p>
-            </p:txBody>
-          </p:sp>
-        </mc:Fallback>
-      </mc:AlternateContent>
+            <p:style>
+              <a:lnRef idx="2">
+                <a:schemeClr val="accent5"/>
+              </a:lnRef>
+              <a:fillRef idx="0">
+                <a:schemeClr val="accent5"/>
+              </a:fillRef>
+              <a:effectRef idx="1">
+                <a:schemeClr val="accent5"/>
+              </a:effectRef>
+              <a:fontRef idx="minor">
+                <a:schemeClr val="tx1"/>
+              </a:fontRef>
+            </p:style>
+          </p:cxnSp>
+        </p:grpSp>
+        <mc:AlternateContent xmlns:mc="http://schemas.openxmlformats.org/markup-compatibility/2006">
+          <mc:Choice xmlns:a14="http://schemas.microsoft.com/office/drawing/2010/main" Requires="a14">
+            <p:sp>
+              <p:nvSpPr>
+                <p:cNvPr id="28" name="TextBox 27"/>
+                <p:cNvSpPr txBox="1"/>
+                <p:nvPr/>
+              </p:nvSpPr>
+              <p:spPr>
+                <a:xfrm>
+                  <a:off x="1444014" y="457618"/>
+                  <a:ext cx="303738" cy="200055"/>
+                </a:xfrm>
+                <a:prstGeom prst="rect">
+                  <a:avLst/>
+                </a:prstGeom>
+                <a:noFill/>
+              </p:spPr>
+              <p:txBody>
+                <a:bodyPr wrap="none" rtlCol="0">
+                  <a:spAutoFit/>
+                </a:bodyPr>
+                <a:lstStyle/>
+                <a:p>
+                  <a:pPr/>
+                  <a14:m>
+                    <m:oMathPara xmlns:m="http://schemas.openxmlformats.org/officeDocument/2006/math">
+                      <m:oMathParaPr>
+                        <m:jc m:val="centerGroup"/>
+                      </m:oMathParaPr>
+                      <m:oMath xmlns:m="http://schemas.openxmlformats.org/officeDocument/2006/math">
+                        <m:sSub>
+                          <m:sSubPr>
+                            <m:ctrlPr>
+                              <a:rPr lang="en-US" sz="700" b="0" i="1" smtClean="0">
+                                <a:latin typeface="Cambria Math" panose="02040503050406030204" pitchFamily="18" charset="0"/>
+                              </a:rPr>
+                            </m:ctrlPr>
+                          </m:sSubPr>
+                          <m:e>
+                            <m:r>
+                              <a:rPr lang="en-US" sz="700" b="0" i="1" smtClean="0">
+                                <a:latin typeface="Cambria Math"/>
+                              </a:rPr>
+                              <m:t>𝑄</m:t>
+                            </m:r>
+                          </m:e>
+                          <m:sub>
+                            <m:r>
+                              <a:rPr lang="en-US" sz="700" b="0" i="1" smtClean="0">
+                                <a:latin typeface="Cambria Math"/>
+                              </a:rPr>
+                              <m:t>1</m:t>
+                            </m:r>
+                          </m:sub>
+                        </m:sSub>
+                      </m:oMath>
+                    </m:oMathPara>
+                  </a14:m>
+                  <a:endParaRPr lang="en-US" sz="700" dirty="0"/>
+                </a:p>
+              </p:txBody>
+            </p:sp>
+          </mc:Choice>
+          <mc:Fallback>
+            <p:sp>
+              <p:nvSpPr>
+                <p:cNvPr id="28" name="TextBox 27"/>
+                <p:cNvSpPr txBox="1">
+                  <a:spLocks noRot="1" noChangeAspect="1" noMove="1" noResize="1" noEditPoints="1" noAdjustHandles="1" noChangeArrowheads="1" noChangeShapeType="1" noTextEdit="1"/>
+                </p:cNvSpPr>
+                <p:nvPr/>
+              </p:nvSpPr>
+              <p:spPr>
+                <a:xfrm>
+                  <a:off x="1444014" y="457618"/>
+                  <a:ext cx="303738" cy="200055"/>
+                </a:xfrm>
+                <a:prstGeom prst="rect">
+                  <a:avLst/>
+                </a:prstGeom>
+                <a:blipFill>
+                  <a:blip r:embed="rId6"/>
+                  <a:stretch>
+                    <a:fillRect/>
+                  </a:stretch>
+                </a:blipFill>
+              </p:spPr>
+              <p:txBody>
+                <a:bodyPr/>
+                <a:lstStyle/>
+                <a:p>
+                  <a:r>
+                    <a:rPr lang="en-US">
+                      <a:noFill/>
+                    </a:rPr>
+                    <a:t> </a:t>
+                  </a:r>
+                </a:p>
+              </p:txBody>
+            </p:sp>
+          </mc:Fallback>
+        </mc:AlternateContent>
+        <mc:AlternateContent xmlns:mc="http://schemas.openxmlformats.org/markup-compatibility/2006">
+          <mc:Choice xmlns:a14="http://schemas.microsoft.com/office/drawing/2010/main" Requires="a14">
+            <p:sp>
+              <p:nvSpPr>
+                <p:cNvPr id="74" name="TextBox 73"/>
+                <p:cNvSpPr txBox="1"/>
+                <p:nvPr/>
+              </p:nvSpPr>
+              <p:spPr>
+                <a:xfrm>
+                  <a:off x="1825411" y="457617"/>
+                  <a:ext cx="303738" cy="200055"/>
+                </a:xfrm>
+                <a:prstGeom prst="rect">
+                  <a:avLst/>
+                </a:prstGeom>
+                <a:noFill/>
+              </p:spPr>
+              <p:txBody>
+                <a:bodyPr wrap="none" rtlCol="0">
+                  <a:spAutoFit/>
+                </a:bodyPr>
+                <a:lstStyle/>
+                <a:p>
+                  <a:pPr/>
+                  <a14:m>
+                    <m:oMathPara xmlns:m="http://schemas.openxmlformats.org/officeDocument/2006/math">
+                      <m:oMathParaPr>
+                        <m:jc m:val="centerGroup"/>
+                      </m:oMathParaPr>
+                      <m:oMath xmlns:m="http://schemas.openxmlformats.org/officeDocument/2006/math">
+                        <m:sSub>
+                          <m:sSubPr>
+                            <m:ctrlPr>
+                              <a:rPr lang="en-US" sz="700" b="0" i="1" smtClean="0">
+                                <a:latin typeface="Cambria Math" panose="02040503050406030204" pitchFamily="18" charset="0"/>
+                              </a:rPr>
+                            </m:ctrlPr>
+                          </m:sSubPr>
+                          <m:e>
+                            <m:r>
+                              <a:rPr lang="en-US" sz="700" b="0" i="1" smtClean="0">
+                                <a:latin typeface="Cambria Math"/>
+                              </a:rPr>
+                              <m:t>𝑄</m:t>
+                            </m:r>
+                          </m:e>
+                          <m:sub>
+                            <m:r>
+                              <a:rPr lang="en-US" sz="700" b="0" i="1" smtClean="0">
+                                <a:latin typeface="Cambria Math"/>
+                              </a:rPr>
+                              <m:t>2</m:t>
+                            </m:r>
+                          </m:sub>
+                        </m:sSub>
+                      </m:oMath>
+                    </m:oMathPara>
+                  </a14:m>
+                  <a:endParaRPr lang="en-US" sz="700" dirty="0"/>
+                </a:p>
+              </p:txBody>
+            </p:sp>
+          </mc:Choice>
+          <mc:Fallback>
+            <p:sp>
+              <p:nvSpPr>
+                <p:cNvPr id="74" name="TextBox 73"/>
+                <p:cNvSpPr txBox="1">
+                  <a:spLocks noRot="1" noChangeAspect="1" noMove="1" noResize="1" noEditPoints="1" noAdjustHandles="1" noChangeArrowheads="1" noChangeShapeType="1" noTextEdit="1"/>
+                </p:cNvSpPr>
+                <p:nvPr/>
+              </p:nvSpPr>
+              <p:spPr>
+                <a:xfrm>
+                  <a:off x="1825411" y="457617"/>
+                  <a:ext cx="303738" cy="200055"/>
+                </a:xfrm>
+                <a:prstGeom prst="rect">
+                  <a:avLst/>
+                </a:prstGeom>
+                <a:blipFill>
+                  <a:blip r:embed="rId7"/>
+                  <a:stretch>
+                    <a:fillRect/>
+                  </a:stretch>
+                </a:blipFill>
+              </p:spPr>
+              <p:txBody>
+                <a:bodyPr/>
+                <a:lstStyle/>
+                <a:p>
+                  <a:r>
+                    <a:rPr lang="en-US">
+                      <a:noFill/>
+                    </a:rPr>
+                    <a:t> </a:t>
+                  </a:r>
+                </a:p>
+              </p:txBody>
+            </p:sp>
+          </mc:Fallback>
+        </mc:AlternateContent>
+        <mc:AlternateContent xmlns:mc="http://schemas.openxmlformats.org/markup-compatibility/2006">
+          <mc:Choice xmlns:a14="http://schemas.microsoft.com/office/drawing/2010/main" Requires="a14">
+            <p:sp>
+              <p:nvSpPr>
+                <p:cNvPr id="75" name="TextBox 74"/>
+                <p:cNvSpPr txBox="1"/>
+                <p:nvPr/>
+              </p:nvSpPr>
+              <p:spPr>
+                <a:xfrm>
+                  <a:off x="2206809" y="457200"/>
+                  <a:ext cx="305789" cy="200055"/>
+                </a:xfrm>
+                <a:prstGeom prst="rect">
+                  <a:avLst/>
+                </a:prstGeom>
+                <a:noFill/>
+              </p:spPr>
+              <p:txBody>
+                <a:bodyPr wrap="none" rtlCol="0">
+                  <a:spAutoFit/>
+                </a:bodyPr>
+                <a:lstStyle/>
+                <a:p>
+                  <a:pPr/>
+                  <a14:m>
+                    <m:oMathPara xmlns:m="http://schemas.openxmlformats.org/officeDocument/2006/math">
+                      <m:oMathParaPr>
+                        <m:jc m:val="centerGroup"/>
+                      </m:oMathParaPr>
+                      <m:oMath xmlns:m="http://schemas.openxmlformats.org/officeDocument/2006/math">
+                        <m:sSub>
+                          <m:sSubPr>
+                            <m:ctrlPr>
+                              <a:rPr lang="en-US" sz="700" b="0" i="1" smtClean="0">
+                                <a:latin typeface="Cambria Math" panose="02040503050406030204" pitchFamily="18" charset="0"/>
+                              </a:rPr>
+                            </m:ctrlPr>
+                          </m:sSubPr>
+                          <m:e>
+                            <m:r>
+                              <a:rPr lang="en-US" sz="700" b="0" i="1" smtClean="0">
+                                <a:latin typeface="Cambria Math"/>
+                              </a:rPr>
+                              <m:t>𝑄</m:t>
+                            </m:r>
+                          </m:e>
+                          <m:sub>
+                            <m:r>
+                              <a:rPr lang="en-US" sz="700" b="0" i="1" smtClean="0">
+                                <a:latin typeface="Cambria Math"/>
+                              </a:rPr>
+                              <m:t>3</m:t>
+                            </m:r>
+                          </m:sub>
+                        </m:sSub>
+                      </m:oMath>
+                    </m:oMathPara>
+                  </a14:m>
+                  <a:endParaRPr lang="en-US" sz="700" dirty="0"/>
+                </a:p>
+              </p:txBody>
+            </p:sp>
+          </mc:Choice>
+          <mc:Fallback>
+            <p:sp>
+              <p:nvSpPr>
+                <p:cNvPr id="75" name="TextBox 74"/>
+                <p:cNvSpPr txBox="1">
+                  <a:spLocks noRot="1" noChangeAspect="1" noMove="1" noResize="1" noEditPoints="1" noAdjustHandles="1" noChangeArrowheads="1" noChangeShapeType="1" noTextEdit="1"/>
+                </p:cNvSpPr>
+                <p:nvPr/>
+              </p:nvSpPr>
+              <p:spPr>
+                <a:xfrm>
+                  <a:off x="2206809" y="457200"/>
+                  <a:ext cx="305789" cy="200055"/>
+                </a:xfrm>
+                <a:prstGeom prst="rect">
+                  <a:avLst/>
+                </a:prstGeom>
+                <a:blipFill>
+                  <a:blip r:embed="rId8"/>
+                  <a:stretch>
+                    <a:fillRect/>
+                  </a:stretch>
+                </a:blipFill>
+              </p:spPr>
+              <p:txBody>
+                <a:bodyPr/>
+                <a:lstStyle/>
+                <a:p>
+                  <a:r>
+                    <a:rPr lang="en-US">
+                      <a:noFill/>
+                    </a:rPr>
+                    <a:t> </a:t>
+                  </a:r>
+                </a:p>
+              </p:txBody>
+            </p:sp>
+          </mc:Fallback>
+        </mc:AlternateContent>
+        <mc:AlternateContent xmlns:mc="http://schemas.openxmlformats.org/markup-compatibility/2006">
+          <mc:Choice xmlns:a14="http://schemas.microsoft.com/office/drawing/2010/main" Requires="a14">
+            <p:sp>
+              <p:nvSpPr>
+                <p:cNvPr id="76" name="TextBox 75"/>
+                <p:cNvSpPr txBox="1"/>
+                <p:nvPr/>
+              </p:nvSpPr>
+              <p:spPr>
+                <a:xfrm>
+                  <a:off x="6399016" y="449249"/>
+                  <a:ext cx="305789" cy="200055"/>
+                </a:xfrm>
+                <a:prstGeom prst="rect">
+                  <a:avLst/>
+                </a:prstGeom>
+                <a:noFill/>
+              </p:spPr>
+              <p:txBody>
+                <a:bodyPr wrap="none" rtlCol="0">
+                  <a:spAutoFit/>
+                </a:bodyPr>
+                <a:lstStyle/>
+                <a:p>
+                  <a:pPr/>
+                  <a14:m>
+                    <m:oMathPara xmlns:m="http://schemas.openxmlformats.org/officeDocument/2006/math">
+                      <m:oMathParaPr>
+                        <m:jc m:val="centerGroup"/>
+                      </m:oMathParaPr>
+                      <m:oMath xmlns:m="http://schemas.openxmlformats.org/officeDocument/2006/math">
+                        <m:sSub>
+                          <m:sSubPr>
+                            <m:ctrlPr>
+                              <a:rPr lang="en-US" sz="700" b="0" i="1" smtClean="0">
+                                <a:latin typeface="Cambria Math" panose="02040503050406030204" pitchFamily="18" charset="0"/>
+                              </a:rPr>
+                            </m:ctrlPr>
+                          </m:sSubPr>
+                          <m:e>
+                            <m:r>
+                              <a:rPr lang="en-US" sz="700" b="0" i="1" smtClean="0">
+                                <a:latin typeface="Cambria Math"/>
+                              </a:rPr>
+                              <m:t>𝑄</m:t>
+                            </m:r>
+                          </m:e>
+                          <m:sub>
+                            <m:r>
+                              <a:rPr lang="en-US" sz="700" b="0" i="1" smtClean="0">
+                                <a:latin typeface="Cambria Math"/>
+                              </a:rPr>
+                              <m:t>4</m:t>
+                            </m:r>
+                          </m:sub>
+                        </m:sSub>
+                      </m:oMath>
+                    </m:oMathPara>
+                  </a14:m>
+                  <a:endParaRPr lang="en-US" sz="700" dirty="0"/>
+                </a:p>
+              </p:txBody>
+            </p:sp>
+          </mc:Choice>
+          <mc:Fallback>
+            <p:sp>
+              <p:nvSpPr>
+                <p:cNvPr id="76" name="TextBox 75"/>
+                <p:cNvSpPr txBox="1">
+                  <a:spLocks noRot="1" noChangeAspect="1" noMove="1" noResize="1" noEditPoints="1" noAdjustHandles="1" noChangeArrowheads="1" noChangeShapeType="1" noTextEdit="1"/>
+                </p:cNvSpPr>
+                <p:nvPr/>
+              </p:nvSpPr>
+              <p:spPr>
+                <a:xfrm>
+                  <a:off x="6399016" y="449249"/>
+                  <a:ext cx="305789" cy="200055"/>
+                </a:xfrm>
+                <a:prstGeom prst="rect">
+                  <a:avLst/>
+                </a:prstGeom>
+                <a:blipFill>
+                  <a:blip r:embed="rId9"/>
+                  <a:stretch>
+                    <a:fillRect/>
+                  </a:stretch>
+                </a:blipFill>
+              </p:spPr>
+              <p:txBody>
+                <a:bodyPr/>
+                <a:lstStyle/>
+                <a:p>
+                  <a:r>
+                    <a:rPr lang="en-US">
+                      <a:noFill/>
+                    </a:rPr>
+                    <a:t> </a:t>
+                  </a:r>
+                </a:p>
+              </p:txBody>
+            </p:sp>
+          </mc:Fallback>
+        </mc:AlternateContent>
+        <mc:AlternateContent xmlns:mc="http://schemas.openxmlformats.org/markup-compatibility/2006">
+          <mc:Choice xmlns:a14="http://schemas.microsoft.com/office/drawing/2010/main" Requires="a14">
+            <p:sp>
+              <p:nvSpPr>
+                <p:cNvPr id="77" name="TextBox 76"/>
+                <p:cNvSpPr txBox="1"/>
+                <p:nvPr/>
+              </p:nvSpPr>
+              <p:spPr>
+                <a:xfrm>
+                  <a:off x="6780413" y="449248"/>
+                  <a:ext cx="305789" cy="200055"/>
+                </a:xfrm>
+                <a:prstGeom prst="rect">
+                  <a:avLst/>
+                </a:prstGeom>
+                <a:noFill/>
+              </p:spPr>
+              <p:txBody>
+                <a:bodyPr wrap="none" rtlCol="0">
+                  <a:spAutoFit/>
+                </a:bodyPr>
+                <a:lstStyle/>
+                <a:p>
+                  <a:pPr/>
+                  <a14:m>
+                    <m:oMathPara xmlns:m="http://schemas.openxmlformats.org/officeDocument/2006/math">
+                      <m:oMathParaPr>
+                        <m:jc m:val="centerGroup"/>
+                      </m:oMathParaPr>
+                      <m:oMath xmlns:m="http://schemas.openxmlformats.org/officeDocument/2006/math">
+                        <m:sSub>
+                          <m:sSubPr>
+                            <m:ctrlPr>
+                              <a:rPr lang="en-US" sz="700" b="0" i="1" smtClean="0">
+                                <a:latin typeface="Cambria Math" panose="02040503050406030204" pitchFamily="18" charset="0"/>
+                              </a:rPr>
+                            </m:ctrlPr>
+                          </m:sSubPr>
+                          <m:e>
+                            <m:r>
+                              <a:rPr lang="en-US" sz="700" b="0" i="1" smtClean="0">
+                                <a:latin typeface="Cambria Math"/>
+                              </a:rPr>
+                              <m:t>𝑄</m:t>
+                            </m:r>
+                          </m:e>
+                          <m:sub>
+                            <m:r>
+                              <a:rPr lang="en-US" sz="700" b="0" i="1" smtClean="0">
+                                <a:latin typeface="Cambria Math"/>
+                              </a:rPr>
+                              <m:t>5</m:t>
+                            </m:r>
+                          </m:sub>
+                        </m:sSub>
+                      </m:oMath>
+                    </m:oMathPara>
+                  </a14:m>
+                  <a:endParaRPr lang="en-US" sz="700" dirty="0"/>
+                </a:p>
+              </p:txBody>
+            </p:sp>
+          </mc:Choice>
+          <mc:Fallback>
+            <p:sp>
+              <p:nvSpPr>
+                <p:cNvPr id="77" name="TextBox 76"/>
+                <p:cNvSpPr txBox="1">
+                  <a:spLocks noRot="1" noChangeAspect="1" noMove="1" noResize="1" noEditPoints="1" noAdjustHandles="1" noChangeArrowheads="1" noChangeShapeType="1" noTextEdit="1"/>
+                </p:cNvSpPr>
+                <p:nvPr/>
+              </p:nvSpPr>
+              <p:spPr>
+                <a:xfrm>
+                  <a:off x="6780413" y="449248"/>
+                  <a:ext cx="305789" cy="200055"/>
+                </a:xfrm>
+                <a:prstGeom prst="rect">
+                  <a:avLst/>
+                </a:prstGeom>
+                <a:blipFill>
+                  <a:blip r:embed="rId10"/>
+                  <a:stretch>
+                    <a:fillRect/>
+                  </a:stretch>
+                </a:blipFill>
+              </p:spPr>
+              <p:txBody>
+                <a:bodyPr/>
+                <a:lstStyle/>
+                <a:p>
+                  <a:r>
+                    <a:rPr lang="en-US">
+                      <a:noFill/>
+                    </a:rPr>
+                    <a:t> </a:t>
+                  </a:r>
+                </a:p>
+              </p:txBody>
+            </p:sp>
+          </mc:Fallback>
+        </mc:AlternateContent>
+        <mc:AlternateContent xmlns:mc="http://schemas.openxmlformats.org/markup-compatibility/2006">
+          <mc:Choice xmlns:a14="http://schemas.microsoft.com/office/drawing/2010/main" Requires="a14">
+            <p:sp>
+              <p:nvSpPr>
+                <p:cNvPr id="78" name="TextBox 77"/>
+                <p:cNvSpPr txBox="1"/>
+                <p:nvPr/>
+              </p:nvSpPr>
+              <p:spPr>
+                <a:xfrm>
+                  <a:off x="7161811" y="448831"/>
+                  <a:ext cx="305789" cy="200055"/>
+                </a:xfrm>
+                <a:prstGeom prst="rect">
+                  <a:avLst/>
+                </a:prstGeom>
+                <a:noFill/>
+              </p:spPr>
+              <p:txBody>
+                <a:bodyPr wrap="none" rtlCol="0">
+                  <a:spAutoFit/>
+                </a:bodyPr>
+                <a:lstStyle/>
+                <a:p>
+                  <a:pPr/>
+                  <a14:m>
+                    <m:oMathPara xmlns:m="http://schemas.openxmlformats.org/officeDocument/2006/math">
+                      <m:oMathParaPr>
+                        <m:jc m:val="centerGroup"/>
+                      </m:oMathParaPr>
+                      <m:oMath xmlns:m="http://schemas.openxmlformats.org/officeDocument/2006/math">
+                        <m:sSub>
+                          <m:sSubPr>
+                            <m:ctrlPr>
+                              <a:rPr lang="en-US" sz="700" b="0" i="1" smtClean="0">
+                                <a:latin typeface="Cambria Math" panose="02040503050406030204" pitchFamily="18" charset="0"/>
+                              </a:rPr>
+                            </m:ctrlPr>
+                          </m:sSubPr>
+                          <m:e>
+                            <m:r>
+                              <a:rPr lang="en-US" sz="700" b="0" i="1" smtClean="0">
+                                <a:latin typeface="Cambria Math"/>
+                              </a:rPr>
+                              <m:t>𝑄</m:t>
+                            </m:r>
+                          </m:e>
+                          <m:sub>
+                            <m:r>
+                              <a:rPr lang="en-US" sz="700" b="0" i="1" smtClean="0">
+                                <a:latin typeface="Cambria Math"/>
+                              </a:rPr>
+                              <m:t>6</m:t>
+                            </m:r>
+                          </m:sub>
+                        </m:sSub>
+                      </m:oMath>
+                    </m:oMathPara>
+                  </a14:m>
+                  <a:endParaRPr lang="en-US" sz="700" dirty="0"/>
+                </a:p>
+              </p:txBody>
+            </p:sp>
+          </mc:Choice>
+          <mc:Fallback>
+            <p:sp>
+              <p:nvSpPr>
+                <p:cNvPr id="78" name="TextBox 77"/>
+                <p:cNvSpPr txBox="1">
+                  <a:spLocks noRot="1" noChangeAspect="1" noMove="1" noResize="1" noEditPoints="1" noAdjustHandles="1" noChangeArrowheads="1" noChangeShapeType="1" noTextEdit="1"/>
+                </p:cNvSpPr>
+                <p:nvPr/>
+              </p:nvSpPr>
+              <p:spPr>
+                <a:xfrm>
+                  <a:off x="7161811" y="448831"/>
+                  <a:ext cx="305789" cy="200055"/>
+                </a:xfrm>
+                <a:prstGeom prst="rect">
+                  <a:avLst/>
+                </a:prstGeom>
+                <a:blipFill>
+                  <a:blip r:embed="rId11"/>
+                  <a:stretch>
+                    <a:fillRect/>
+                  </a:stretch>
+                </a:blipFill>
+              </p:spPr>
+              <p:txBody>
+                <a:bodyPr/>
+                <a:lstStyle/>
+                <a:p>
+                  <a:r>
+                    <a:rPr lang="en-US">
+                      <a:noFill/>
+                    </a:rPr>
+                    <a:t> </a:t>
+                  </a:r>
+                </a:p>
+              </p:txBody>
+            </p:sp>
+          </mc:Fallback>
+        </mc:AlternateContent>
+        <mc:AlternateContent xmlns:mc="http://schemas.openxmlformats.org/markup-compatibility/2006">
+          <mc:Choice xmlns:a14="http://schemas.microsoft.com/office/drawing/2010/main" Requires="a14">
+            <p:sp>
+              <p:nvSpPr>
+                <p:cNvPr id="79" name="TextBox 78"/>
+                <p:cNvSpPr txBox="1"/>
+                <p:nvPr/>
+              </p:nvSpPr>
+              <p:spPr>
+                <a:xfrm>
+                  <a:off x="1335298" y="5029200"/>
+                  <a:ext cx="302711" cy="200055"/>
+                </a:xfrm>
+                <a:prstGeom prst="rect">
+                  <a:avLst/>
+                </a:prstGeom>
+                <a:noFill/>
+              </p:spPr>
+              <p:txBody>
+                <a:bodyPr wrap="none" rtlCol="0">
+                  <a:spAutoFit/>
+                </a:bodyPr>
+                <a:lstStyle/>
+                <a:p>
+                  <a:pPr/>
+                  <a14:m>
+                    <m:oMathPara xmlns:m="http://schemas.openxmlformats.org/officeDocument/2006/math">
+                      <m:oMathParaPr>
+                        <m:jc m:val="centerGroup"/>
+                      </m:oMathParaPr>
+                      <m:oMath xmlns:m="http://schemas.openxmlformats.org/officeDocument/2006/math">
+                        <m:sSub>
+                          <m:sSubPr>
+                            <m:ctrlPr>
+                              <a:rPr lang="en-US" sz="700" i="1" smtClean="0">
+                                <a:latin typeface="Cambria Math" panose="02040503050406030204" pitchFamily="18" charset="0"/>
+                              </a:rPr>
+                            </m:ctrlPr>
+                          </m:sSubPr>
+                          <m:e>
+                            <m:r>
+                              <a:rPr lang="en-US" sz="700" b="0" i="1" smtClean="0">
+                                <a:latin typeface="Cambria Math"/>
+                              </a:rPr>
+                              <m:t>𝑈</m:t>
+                            </m:r>
+                          </m:e>
+                          <m:sub>
+                            <m:r>
+                              <a:rPr lang="en-US" sz="700" b="0" i="1" smtClean="0">
+                                <a:latin typeface="Cambria Math"/>
+                              </a:rPr>
+                              <m:t>1</m:t>
+                            </m:r>
+                          </m:sub>
+                        </m:sSub>
+                      </m:oMath>
+                    </m:oMathPara>
+                  </a14:m>
+                  <a:endParaRPr lang="en-US" sz="700" dirty="0"/>
+                </a:p>
+              </p:txBody>
+            </p:sp>
+          </mc:Choice>
+          <mc:Fallback>
+            <p:sp>
+              <p:nvSpPr>
+                <p:cNvPr id="79" name="TextBox 78"/>
+                <p:cNvSpPr txBox="1">
+                  <a:spLocks noRot="1" noChangeAspect="1" noMove="1" noResize="1" noEditPoints="1" noAdjustHandles="1" noChangeArrowheads="1" noChangeShapeType="1" noTextEdit="1"/>
+                </p:cNvSpPr>
+                <p:nvPr/>
+              </p:nvSpPr>
+              <p:spPr>
+                <a:xfrm>
+                  <a:off x="1335298" y="5029200"/>
+                  <a:ext cx="302711" cy="200055"/>
+                </a:xfrm>
+                <a:prstGeom prst="rect">
+                  <a:avLst/>
+                </a:prstGeom>
+                <a:blipFill>
+                  <a:blip r:embed="rId12"/>
+                  <a:stretch>
+                    <a:fillRect/>
+                  </a:stretch>
+                </a:blipFill>
+              </p:spPr>
+              <p:txBody>
+                <a:bodyPr/>
+                <a:lstStyle/>
+                <a:p>
+                  <a:r>
+                    <a:rPr lang="en-US">
+                      <a:noFill/>
+                    </a:rPr>
+                    <a:t> </a:t>
+                  </a:r>
+                </a:p>
+              </p:txBody>
+            </p:sp>
+          </mc:Fallback>
+        </mc:AlternateContent>
+        <mc:AlternateContent xmlns:mc="http://schemas.openxmlformats.org/markup-compatibility/2006">
+          <mc:Choice xmlns:a14="http://schemas.microsoft.com/office/drawing/2010/main" Requires="a14">
+            <p:sp>
+              <p:nvSpPr>
+                <p:cNvPr id="80" name="TextBox 79"/>
+                <p:cNvSpPr txBox="1"/>
+                <p:nvPr/>
+              </p:nvSpPr>
+              <p:spPr>
+                <a:xfrm>
+                  <a:off x="3031178" y="5257800"/>
+                  <a:ext cx="304762" cy="200055"/>
+                </a:xfrm>
+                <a:prstGeom prst="rect">
+                  <a:avLst/>
+                </a:prstGeom>
+                <a:noFill/>
+              </p:spPr>
+              <p:txBody>
+                <a:bodyPr wrap="none" rtlCol="0">
+                  <a:spAutoFit/>
+                </a:bodyPr>
+                <a:lstStyle/>
+                <a:p>
+                  <a:pPr/>
+                  <a14:m>
+                    <m:oMathPara xmlns:m="http://schemas.openxmlformats.org/officeDocument/2006/math">
+                      <m:oMathParaPr>
+                        <m:jc m:val="centerGroup"/>
+                      </m:oMathParaPr>
+                      <m:oMath xmlns:m="http://schemas.openxmlformats.org/officeDocument/2006/math">
+                        <m:sSub>
+                          <m:sSubPr>
+                            <m:ctrlPr>
+                              <a:rPr lang="en-US" sz="700" i="1" smtClean="0">
+                                <a:latin typeface="Cambria Math" panose="02040503050406030204" pitchFamily="18" charset="0"/>
+                              </a:rPr>
+                            </m:ctrlPr>
+                          </m:sSubPr>
+                          <m:e>
+                            <m:r>
+                              <a:rPr lang="en-US" sz="700" b="0" i="1" smtClean="0">
+                                <a:latin typeface="Cambria Math"/>
+                              </a:rPr>
+                              <m:t>𝑈</m:t>
+                            </m:r>
+                          </m:e>
+                          <m:sub>
+                            <m:r>
+                              <a:rPr lang="en-US" sz="700" b="0" i="1" smtClean="0">
+                                <a:latin typeface="Cambria Math"/>
+                              </a:rPr>
+                              <m:t>2</m:t>
+                            </m:r>
+                          </m:sub>
+                        </m:sSub>
+                      </m:oMath>
+                    </m:oMathPara>
+                  </a14:m>
+                  <a:endParaRPr lang="en-US" sz="700" dirty="0"/>
+                </a:p>
+              </p:txBody>
+            </p:sp>
+          </mc:Choice>
+          <mc:Fallback>
+            <p:sp>
+              <p:nvSpPr>
+                <p:cNvPr id="80" name="TextBox 79"/>
+                <p:cNvSpPr txBox="1">
+                  <a:spLocks noRot="1" noChangeAspect="1" noMove="1" noResize="1" noEditPoints="1" noAdjustHandles="1" noChangeArrowheads="1" noChangeShapeType="1" noTextEdit="1"/>
+                </p:cNvSpPr>
+                <p:nvPr/>
+              </p:nvSpPr>
+              <p:spPr>
+                <a:xfrm>
+                  <a:off x="3031178" y="5257800"/>
+                  <a:ext cx="304762" cy="200055"/>
+                </a:xfrm>
+                <a:prstGeom prst="rect">
+                  <a:avLst/>
+                </a:prstGeom>
+                <a:blipFill>
+                  <a:blip r:embed="rId13"/>
+                  <a:stretch>
+                    <a:fillRect/>
+                  </a:stretch>
+                </a:blipFill>
+              </p:spPr>
+              <p:txBody>
+                <a:bodyPr/>
+                <a:lstStyle/>
+                <a:p>
+                  <a:r>
+                    <a:rPr lang="en-US">
+                      <a:noFill/>
+                    </a:rPr>
+                    <a:t> </a:t>
+                  </a:r>
+                </a:p>
+              </p:txBody>
+            </p:sp>
+          </mc:Fallback>
+        </mc:AlternateContent>
+        <mc:AlternateContent xmlns:mc="http://schemas.openxmlformats.org/markup-compatibility/2006">
+          <mc:Choice xmlns:a14="http://schemas.microsoft.com/office/drawing/2010/main" Requires="a14">
+            <p:sp>
+              <p:nvSpPr>
+                <p:cNvPr id="81" name="TextBox 80"/>
+                <p:cNvSpPr txBox="1"/>
+                <p:nvPr/>
+              </p:nvSpPr>
+              <p:spPr>
+                <a:xfrm>
+                  <a:off x="4151110" y="3219474"/>
+                  <a:ext cx="304762" cy="200055"/>
+                </a:xfrm>
+                <a:prstGeom prst="rect">
+                  <a:avLst/>
+                </a:prstGeom>
+                <a:noFill/>
+              </p:spPr>
+              <p:txBody>
+                <a:bodyPr wrap="none" rtlCol="0">
+                  <a:spAutoFit/>
+                </a:bodyPr>
+                <a:lstStyle/>
+                <a:p>
+                  <a:pPr/>
+                  <a14:m>
+                    <m:oMathPara xmlns:m="http://schemas.openxmlformats.org/officeDocument/2006/math">
+                      <m:oMathParaPr>
+                        <m:jc m:val="centerGroup"/>
+                      </m:oMathParaPr>
+                      <m:oMath xmlns:m="http://schemas.openxmlformats.org/officeDocument/2006/math">
+                        <m:sSub>
+                          <m:sSubPr>
+                            <m:ctrlPr>
+                              <a:rPr lang="en-US" sz="700" i="1" smtClean="0">
+                                <a:latin typeface="Cambria Math" panose="02040503050406030204" pitchFamily="18" charset="0"/>
+                              </a:rPr>
+                            </m:ctrlPr>
+                          </m:sSubPr>
+                          <m:e>
+                            <m:r>
+                              <a:rPr lang="en-US" sz="700" b="0" i="1" smtClean="0">
+                                <a:latin typeface="Cambria Math"/>
+                              </a:rPr>
+                              <m:t>𝑈</m:t>
+                            </m:r>
+                          </m:e>
+                          <m:sub>
+                            <m:r>
+                              <a:rPr lang="en-US" sz="700" b="0" i="1" smtClean="0">
+                                <a:latin typeface="Cambria Math"/>
+                              </a:rPr>
+                              <m:t>3</m:t>
+                            </m:r>
+                          </m:sub>
+                        </m:sSub>
+                      </m:oMath>
+                    </m:oMathPara>
+                  </a14:m>
+                  <a:endParaRPr lang="en-US" sz="700" dirty="0"/>
+                </a:p>
+              </p:txBody>
+            </p:sp>
+          </mc:Choice>
+          <mc:Fallback>
+            <p:sp>
+              <p:nvSpPr>
+                <p:cNvPr id="81" name="TextBox 80"/>
+                <p:cNvSpPr txBox="1">
+                  <a:spLocks noRot="1" noChangeAspect="1" noMove="1" noResize="1" noEditPoints="1" noAdjustHandles="1" noChangeArrowheads="1" noChangeShapeType="1" noTextEdit="1"/>
+                </p:cNvSpPr>
+                <p:nvPr/>
+              </p:nvSpPr>
+              <p:spPr>
+                <a:xfrm>
+                  <a:off x="4151110" y="3219474"/>
+                  <a:ext cx="304762" cy="200055"/>
+                </a:xfrm>
+                <a:prstGeom prst="rect">
+                  <a:avLst/>
+                </a:prstGeom>
+                <a:blipFill>
+                  <a:blip r:embed="rId14"/>
+                  <a:stretch>
+                    <a:fillRect/>
+                  </a:stretch>
+                </a:blipFill>
+              </p:spPr>
+              <p:txBody>
+                <a:bodyPr/>
+                <a:lstStyle/>
+                <a:p>
+                  <a:r>
+                    <a:rPr lang="en-US">
+                      <a:noFill/>
+                    </a:rPr>
+                    <a:t> </a:t>
+                  </a:r>
+                </a:p>
+              </p:txBody>
+            </p:sp>
+          </mc:Fallback>
+        </mc:AlternateContent>
+        <mc:AlternateContent xmlns:mc="http://schemas.openxmlformats.org/markup-compatibility/2006">
+          <mc:Choice xmlns:a14="http://schemas.microsoft.com/office/drawing/2010/main" Requires="a14">
+            <p:sp>
+              <p:nvSpPr>
+                <p:cNvPr id="82" name="TextBox 81"/>
+                <p:cNvSpPr txBox="1"/>
+                <p:nvPr/>
+              </p:nvSpPr>
+              <p:spPr>
+                <a:xfrm>
+                  <a:off x="4119718" y="1752600"/>
+                  <a:ext cx="304762" cy="200055"/>
+                </a:xfrm>
+                <a:prstGeom prst="rect">
+                  <a:avLst/>
+                </a:prstGeom>
+                <a:noFill/>
+              </p:spPr>
+              <p:txBody>
+                <a:bodyPr wrap="none" rtlCol="0">
+                  <a:spAutoFit/>
+                </a:bodyPr>
+                <a:lstStyle/>
+                <a:p>
+                  <a:pPr/>
+                  <a14:m>
+                    <m:oMathPara xmlns:m="http://schemas.openxmlformats.org/officeDocument/2006/math">
+                      <m:oMathParaPr>
+                        <m:jc m:val="centerGroup"/>
+                      </m:oMathParaPr>
+                      <m:oMath xmlns:m="http://schemas.openxmlformats.org/officeDocument/2006/math">
+                        <m:sSub>
+                          <m:sSubPr>
+                            <m:ctrlPr>
+                              <a:rPr lang="en-US" sz="700" i="1" smtClean="0">
+                                <a:latin typeface="Cambria Math" panose="02040503050406030204" pitchFamily="18" charset="0"/>
+                              </a:rPr>
+                            </m:ctrlPr>
+                          </m:sSubPr>
+                          <m:e>
+                            <m:r>
+                              <a:rPr lang="en-US" sz="700" b="0" i="1" smtClean="0">
+                                <a:latin typeface="Cambria Math"/>
+                              </a:rPr>
+                              <m:t>𝑈</m:t>
+                            </m:r>
+                          </m:e>
+                          <m:sub>
+                            <m:r>
+                              <a:rPr lang="en-US" sz="700" b="0" i="1" smtClean="0">
+                                <a:latin typeface="Cambria Math"/>
+                              </a:rPr>
+                              <m:t>4</m:t>
+                            </m:r>
+                          </m:sub>
+                        </m:sSub>
+                      </m:oMath>
+                    </m:oMathPara>
+                  </a14:m>
+                  <a:endParaRPr lang="en-US" sz="700" dirty="0"/>
+                </a:p>
+              </p:txBody>
+            </p:sp>
+          </mc:Choice>
+          <mc:Fallback>
+            <p:sp>
+              <p:nvSpPr>
+                <p:cNvPr id="82" name="TextBox 81"/>
+                <p:cNvSpPr txBox="1">
+                  <a:spLocks noRot="1" noChangeAspect="1" noMove="1" noResize="1" noEditPoints="1" noAdjustHandles="1" noChangeArrowheads="1" noChangeShapeType="1" noTextEdit="1"/>
+                </p:cNvSpPr>
+                <p:nvPr/>
+              </p:nvSpPr>
+              <p:spPr>
+                <a:xfrm>
+                  <a:off x="4119718" y="1752600"/>
+                  <a:ext cx="304762" cy="200055"/>
+                </a:xfrm>
+                <a:prstGeom prst="rect">
+                  <a:avLst/>
+                </a:prstGeom>
+                <a:blipFill>
+                  <a:blip r:embed="rId15"/>
+                  <a:stretch>
+                    <a:fillRect/>
+                  </a:stretch>
+                </a:blipFill>
+              </p:spPr>
+              <p:txBody>
+                <a:bodyPr/>
+                <a:lstStyle/>
+                <a:p>
+                  <a:r>
+                    <a:rPr lang="en-US">
+                      <a:noFill/>
+                    </a:rPr>
+                    <a:t> </a:t>
+                  </a:r>
+                </a:p>
+              </p:txBody>
+            </p:sp>
+          </mc:Fallback>
+        </mc:AlternateContent>
+        <mc:AlternateContent xmlns:mc="http://schemas.openxmlformats.org/markup-compatibility/2006">
+          <mc:Choice xmlns:a14="http://schemas.microsoft.com/office/drawing/2010/main" Requires="a14">
+            <p:sp>
+              <p:nvSpPr>
+                <p:cNvPr id="83" name="TextBox 82"/>
+                <p:cNvSpPr txBox="1"/>
+                <p:nvPr/>
+              </p:nvSpPr>
+              <p:spPr>
+                <a:xfrm>
+                  <a:off x="7742643" y="4063604"/>
+                  <a:ext cx="304762" cy="200055"/>
+                </a:xfrm>
+                <a:prstGeom prst="rect">
+                  <a:avLst/>
+                </a:prstGeom>
+                <a:noFill/>
+              </p:spPr>
+              <p:txBody>
+                <a:bodyPr wrap="none" rtlCol="0">
+                  <a:spAutoFit/>
+                </a:bodyPr>
+                <a:lstStyle/>
+                <a:p>
+                  <a:pPr/>
+                  <a14:m>
+                    <m:oMathPara xmlns:m="http://schemas.openxmlformats.org/officeDocument/2006/math">
+                      <m:oMathParaPr>
+                        <m:jc m:val="centerGroup"/>
+                      </m:oMathParaPr>
+                      <m:oMath xmlns:m="http://schemas.openxmlformats.org/officeDocument/2006/math">
+                        <m:sSub>
+                          <m:sSubPr>
+                            <m:ctrlPr>
+                              <a:rPr lang="en-US" sz="700" i="1" smtClean="0">
+                                <a:latin typeface="Cambria Math" panose="02040503050406030204" pitchFamily="18" charset="0"/>
+                              </a:rPr>
+                            </m:ctrlPr>
+                          </m:sSubPr>
+                          <m:e>
+                            <m:r>
+                              <a:rPr lang="en-US" sz="700" b="0" i="1" smtClean="0">
+                                <a:latin typeface="Cambria Math"/>
+                              </a:rPr>
+                              <m:t>𝑈</m:t>
+                            </m:r>
+                          </m:e>
+                          <m:sub>
+                            <m:r>
+                              <a:rPr lang="en-US" sz="700" b="0" i="1" smtClean="0">
+                                <a:latin typeface="Cambria Math"/>
+                              </a:rPr>
+                              <m:t>5</m:t>
+                            </m:r>
+                          </m:sub>
+                        </m:sSub>
+                      </m:oMath>
+                    </m:oMathPara>
+                  </a14:m>
+                  <a:endParaRPr lang="en-US" sz="700" dirty="0"/>
+                </a:p>
+              </p:txBody>
+            </p:sp>
+          </mc:Choice>
+          <mc:Fallback>
+            <p:sp>
+              <p:nvSpPr>
+                <p:cNvPr id="83" name="TextBox 82"/>
+                <p:cNvSpPr txBox="1">
+                  <a:spLocks noRot="1" noChangeAspect="1" noMove="1" noResize="1" noEditPoints="1" noAdjustHandles="1" noChangeArrowheads="1" noChangeShapeType="1" noTextEdit="1"/>
+                </p:cNvSpPr>
+                <p:nvPr/>
+              </p:nvSpPr>
+              <p:spPr>
+                <a:xfrm>
+                  <a:off x="7742643" y="4063604"/>
+                  <a:ext cx="304762" cy="200055"/>
+                </a:xfrm>
+                <a:prstGeom prst="rect">
+                  <a:avLst/>
+                </a:prstGeom>
+                <a:blipFill>
+                  <a:blip r:embed="rId16"/>
+                  <a:stretch>
+                    <a:fillRect/>
+                  </a:stretch>
+                </a:blipFill>
+              </p:spPr>
+              <p:txBody>
+                <a:bodyPr/>
+                <a:lstStyle/>
+                <a:p>
+                  <a:r>
+                    <a:rPr lang="en-US">
+                      <a:noFill/>
+                    </a:rPr>
+                    <a:t> </a:t>
+                  </a:r>
+                </a:p>
+              </p:txBody>
+            </p:sp>
+          </mc:Fallback>
+        </mc:AlternateContent>
+        <mc:AlternateContent xmlns:mc="http://schemas.openxmlformats.org/markup-compatibility/2006">
+          <mc:Choice xmlns:a14="http://schemas.microsoft.com/office/drawing/2010/main" Requires="a14">
+            <p:sp>
+              <p:nvSpPr>
+                <p:cNvPr id="84" name="TextBox 83"/>
+                <p:cNvSpPr txBox="1"/>
+                <p:nvPr/>
+              </p:nvSpPr>
+              <p:spPr>
+                <a:xfrm>
+                  <a:off x="5685057" y="5562600"/>
+                  <a:ext cx="304762" cy="200055"/>
+                </a:xfrm>
+                <a:prstGeom prst="rect">
+                  <a:avLst/>
+                </a:prstGeom>
+                <a:noFill/>
+              </p:spPr>
+              <p:txBody>
+                <a:bodyPr wrap="none" rtlCol="0">
+                  <a:spAutoFit/>
+                </a:bodyPr>
+                <a:lstStyle/>
+                <a:p>
+                  <a:pPr/>
+                  <a14:m>
+                    <m:oMathPara xmlns:m="http://schemas.openxmlformats.org/officeDocument/2006/math">
+                      <m:oMathParaPr>
+                        <m:jc m:val="centerGroup"/>
+                      </m:oMathParaPr>
+                      <m:oMath xmlns:m="http://schemas.openxmlformats.org/officeDocument/2006/math">
+                        <m:sSub>
+                          <m:sSubPr>
+                            <m:ctrlPr>
+                              <a:rPr lang="en-US" sz="700" i="1" smtClean="0">
+                                <a:latin typeface="Cambria Math" panose="02040503050406030204" pitchFamily="18" charset="0"/>
+                              </a:rPr>
+                            </m:ctrlPr>
+                          </m:sSubPr>
+                          <m:e>
+                            <m:r>
+                              <a:rPr lang="en-US" sz="700" b="0" i="1" smtClean="0">
+                                <a:latin typeface="Cambria Math"/>
+                              </a:rPr>
+                              <m:t>𝑈</m:t>
+                            </m:r>
+                          </m:e>
+                          <m:sub>
+                            <m:r>
+                              <a:rPr lang="en-US" sz="700" b="0" i="1" smtClean="0">
+                                <a:latin typeface="Cambria Math"/>
+                              </a:rPr>
+                              <m:t>6</m:t>
+                            </m:r>
+                          </m:sub>
+                        </m:sSub>
+                      </m:oMath>
+                    </m:oMathPara>
+                  </a14:m>
+                  <a:endParaRPr lang="en-US" sz="700" dirty="0"/>
+                </a:p>
+              </p:txBody>
+            </p:sp>
+          </mc:Choice>
+          <mc:Fallback>
+            <p:sp>
+              <p:nvSpPr>
+                <p:cNvPr id="84" name="TextBox 83"/>
+                <p:cNvSpPr txBox="1">
+                  <a:spLocks noRot="1" noChangeAspect="1" noMove="1" noResize="1" noEditPoints="1" noAdjustHandles="1" noChangeArrowheads="1" noChangeShapeType="1" noTextEdit="1"/>
+                </p:cNvSpPr>
+                <p:nvPr/>
+              </p:nvSpPr>
+              <p:spPr>
+                <a:xfrm>
+                  <a:off x="5685057" y="5562600"/>
+                  <a:ext cx="304762" cy="200055"/>
+                </a:xfrm>
+                <a:prstGeom prst="rect">
+                  <a:avLst/>
+                </a:prstGeom>
+                <a:blipFill>
+                  <a:blip r:embed="rId17"/>
+                  <a:stretch>
+                    <a:fillRect/>
+                  </a:stretch>
+                </a:blipFill>
+              </p:spPr>
+              <p:txBody>
+                <a:bodyPr/>
+                <a:lstStyle/>
+                <a:p>
+                  <a:r>
+                    <a:rPr lang="en-US">
+                      <a:noFill/>
+                    </a:rPr>
+                    <a:t> </a:t>
+                  </a:r>
+                </a:p>
+              </p:txBody>
+            </p:sp>
+          </mc:Fallback>
+        </mc:AlternateContent>
+      </p:grpSp>
     </p:spTree>
     <p:extLst>
       <p:ext uri="{BB962C8B-B14F-4D97-AF65-F5344CB8AC3E}">
